--- a/slides/xsleza26.pptx
+++ b/slides/xsleza26.pptx
@@ -5,18 +5,20 @@
     <p:sldMasterId id="2147483649" r:id="rId1"/>
   </p:sldMasterIdLst>
   <p:notesMasterIdLst>
-    <p:notesMasterId r:id="rId8"/>
+    <p:notesMasterId r:id="rId10"/>
   </p:notesMasterIdLst>
   <p:handoutMasterIdLst>
-    <p:handoutMasterId r:id="rId9"/>
+    <p:handoutMasterId r:id="rId11"/>
   </p:handoutMasterIdLst>
   <p:sldIdLst>
     <p:sldId id="256" r:id="rId2"/>
-    <p:sldId id="258" r:id="rId3"/>
-    <p:sldId id="259" r:id="rId4"/>
-    <p:sldId id="260" r:id="rId5"/>
-    <p:sldId id="261" r:id="rId6"/>
-    <p:sldId id="262" r:id="rId7"/>
+    <p:sldId id="263" r:id="rId3"/>
+    <p:sldId id="258" r:id="rId4"/>
+    <p:sldId id="259" r:id="rId5"/>
+    <p:sldId id="260" r:id="rId6"/>
+    <p:sldId id="261" r:id="rId7"/>
+    <p:sldId id="264" r:id="rId8"/>
+    <p:sldId id="262" r:id="rId9"/>
   </p:sldIdLst>
   <p:sldSz cx="12192000" cy="6858000"/>
   <p:notesSz cx="6858000" cy="9144000"/>
@@ -176,6 +178,7 @@
 <p1510:revInfo xmlns:a="http://schemas.openxmlformats.org/drawingml/2006/main" xmlns:r="http://schemas.openxmlformats.org/officeDocument/2006/relationships" xmlns:p1510="http://schemas.microsoft.com/office/powerpoint/2015/10/main">
   <p1510:revLst>
     <p1510:client id="{0262BC8B-1549-62FC-FBE5-CB5B6F368C82}" v="168" dt="2025-10-19T09:53:26.228"/>
+    <p1510:client id="{77308A4A-776D-9132-0492-6BD19B27E00D}" v="101" dt="2025-10-20T11:22:41.125"/>
     <p1510:client id="{A5B1FF10-8FDF-EA11-6319-3AD65A73F9BF}" v="5" dt="2025-10-19T08:47:33.209"/>
   </p1510:revLst>
 </p1510:revInfo>
@@ -980,7 +983,599 @@
           <a:bodyPr/>
           <a:lstStyle/>
           <a:p>
-            <a:endParaRPr lang="cs-CZ"/>
+            <a:pPr marL="171450" indent="-171450">
+              <a:buFont typeface="Calibri"/>
+              <a:buChar char="-"/>
+            </a:pPr>
+            <a:r>
+              <a:rPr lang="en-US" dirty="0">
+                <a:latin typeface="Century Gothic"/>
+              </a:rPr>
+              <a:t>Perlin noise </a:t>
+            </a:r>
+            <a:r>
+              <a:rPr lang="en-US" dirty="0" err="1">
+                <a:latin typeface="Century Gothic"/>
+              </a:rPr>
+              <a:t>vygeneruje</a:t>
+            </a:r>
+            <a:r>
+              <a:rPr lang="en-US" dirty="0">
+                <a:latin typeface="Century Gothic"/>
+              </a:rPr>
+              <a:t> </a:t>
+            </a:r>
+            <a:r>
+              <a:rPr lang="en-US" dirty="0" err="1">
+                <a:latin typeface="Century Gothic"/>
+              </a:rPr>
+              <a:t>šum</a:t>
+            </a:r>
+            <a:r>
+              <a:rPr lang="en-US" dirty="0">
+                <a:latin typeface="Century Gothic"/>
+              </a:rPr>
+              <a:t>, </a:t>
+            </a:r>
+            <a:r>
+              <a:rPr lang="en-US" dirty="0" err="1">
+                <a:latin typeface="Century Gothic"/>
+              </a:rPr>
+              <a:t>který</a:t>
+            </a:r>
+            <a:r>
+              <a:rPr lang="en-US" dirty="0">
+                <a:latin typeface="Century Gothic"/>
+              </a:rPr>
+              <a:t> ale </a:t>
+            </a:r>
+            <a:r>
+              <a:rPr lang="en-US" dirty="0" err="1">
+                <a:latin typeface="Century Gothic"/>
+              </a:rPr>
+              <a:t>není</a:t>
+            </a:r>
+            <a:r>
+              <a:rPr lang="en-US" dirty="0">
+                <a:latin typeface="Century Gothic"/>
+              </a:rPr>
+              <a:t> </a:t>
+            </a:r>
+            <a:r>
+              <a:rPr lang="en-US" dirty="0" err="1">
+                <a:latin typeface="Century Gothic"/>
+              </a:rPr>
+              <a:t>až</a:t>
+            </a:r>
+            <a:r>
+              <a:rPr lang="en-US" dirty="0">
+                <a:latin typeface="Century Gothic"/>
+              </a:rPr>
+              <a:t> </a:t>
+            </a:r>
+            <a:r>
+              <a:rPr lang="en-US" dirty="0" err="1">
+                <a:latin typeface="Century Gothic"/>
+              </a:rPr>
+              <a:t>tak</a:t>
+            </a:r>
+            <a:r>
+              <a:rPr lang="en-US" dirty="0">
+                <a:latin typeface="Century Gothic"/>
+              </a:rPr>
+              <a:t> </a:t>
+            </a:r>
+            <a:r>
+              <a:rPr lang="en-US" dirty="0" err="1">
+                <a:latin typeface="Century Gothic"/>
+              </a:rPr>
+              <a:t>zajímavý</a:t>
+            </a:r>
+            <a:r>
+              <a:rPr lang="en-US" dirty="0">
+                <a:latin typeface="Century Gothic"/>
+              </a:rPr>
+              <a:t> pro </a:t>
+            </a:r>
+            <a:r>
+              <a:rPr lang="en-US" dirty="0" err="1">
+                <a:latin typeface="Century Gothic"/>
+              </a:rPr>
+              <a:t>generování</a:t>
+            </a:r>
+            <a:r>
+              <a:rPr lang="en-US" dirty="0">
+                <a:latin typeface="Century Gothic"/>
+              </a:rPr>
+              <a:t> </a:t>
+            </a:r>
+            <a:r>
+              <a:rPr lang="en-US" dirty="0" err="1">
+                <a:latin typeface="Century Gothic"/>
+              </a:rPr>
+              <a:t>terénu</a:t>
+            </a:r>
+          </a:p>
+          <a:p>
+            <a:pPr marL="171450" indent="-171450">
+              <a:buFont typeface="Calibri"/>
+              <a:buChar char="-"/>
+            </a:pPr>
+            <a:r>
+              <a:rPr lang="en-US" err="1">
+                <a:latin typeface="Century Gothic"/>
+              </a:rPr>
+              <a:t>Kombinací</a:t>
+            </a:r>
+            <a:r>
+              <a:rPr lang="en-US" dirty="0">
+                <a:latin typeface="Century Gothic"/>
+              </a:rPr>
+              <a:t> </a:t>
+            </a:r>
+            <a:r>
+              <a:rPr lang="en-US" err="1">
+                <a:latin typeface="Century Gothic"/>
+              </a:rPr>
+              <a:t>více</a:t>
+            </a:r>
+            <a:r>
+              <a:rPr lang="en-US" dirty="0">
+                <a:latin typeface="Century Gothic"/>
+              </a:rPr>
+              <a:t> </a:t>
+            </a:r>
+            <a:r>
+              <a:rPr lang="en-US" err="1">
+                <a:latin typeface="Century Gothic"/>
+              </a:rPr>
+              <a:t>vrstev</a:t>
+            </a:r>
+            <a:r>
+              <a:rPr lang="en-US" dirty="0">
+                <a:latin typeface="Century Gothic"/>
+              </a:rPr>
+              <a:t> </a:t>
+            </a:r>
+            <a:r>
+              <a:rPr lang="en-US" err="1">
+                <a:latin typeface="Century Gothic"/>
+              </a:rPr>
+              <a:t>vznikne</a:t>
+            </a:r>
+            <a:r>
+              <a:rPr lang="en-US" dirty="0">
+                <a:latin typeface="Century Gothic"/>
+              </a:rPr>
+              <a:t> </a:t>
+            </a:r>
+            <a:r>
+              <a:rPr lang="en-US" err="1">
+                <a:latin typeface="Century Gothic"/>
+              </a:rPr>
+              <a:t>výrazně</a:t>
+            </a:r>
+            <a:r>
+              <a:rPr lang="en-US" dirty="0">
+                <a:latin typeface="Century Gothic"/>
+              </a:rPr>
+              <a:t> </a:t>
+            </a:r>
+            <a:r>
+              <a:rPr lang="en-US" err="1">
+                <a:latin typeface="Century Gothic"/>
+              </a:rPr>
+              <a:t>zajímavější</a:t>
+            </a:r>
+            <a:r>
+              <a:rPr lang="en-US" dirty="0">
+                <a:latin typeface="Century Gothic"/>
+              </a:rPr>
+              <a:t> </a:t>
+            </a:r>
+            <a:r>
+              <a:rPr lang="en-US" err="1">
+                <a:latin typeface="Century Gothic"/>
+              </a:rPr>
+              <a:t>šum</a:t>
+            </a:r>
+            <a:r>
+              <a:rPr lang="en-US" dirty="0">
+                <a:latin typeface="Century Gothic"/>
+              </a:rPr>
+              <a:t> (viz. </a:t>
+            </a:r>
+            <a:r>
+              <a:rPr lang="en-US" err="1">
+                <a:latin typeface="Century Gothic"/>
+              </a:rPr>
+              <a:t>obrázek</a:t>
+            </a:r>
+            <a:r>
+              <a:rPr lang="en-US" dirty="0">
+                <a:latin typeface="Century Gothic"/>
+              </a:rPr>
+              <a:t> </a:t>
+            </a:r>
+            <a:r>
+              <a:rPr lang="en-US" err="1">
+                <a:latin typeface="Century Gothic"/>
+              </a:rPr>
+              <a:t>na</a:t>
+            </a:r>
+            <a:r>
+              <a:rPr lang="en-US" dirty="0">
+                <a:latin typeface="Century Gothic"/>
+              </a:rPr>
+              <a:t> </a:t>
+            </a:r>
+            <a:r>
+              <a:rPr lang="en-US" err="1">
+                <a:latin typeface="Century Gothic"/>
+              </a:rPr>
+              <a:t>pravé</a:t>
+            </a:r>
+            <a:r>
+              <a:rPr lang="en-US" dirty="0">
+                <a:latin typeface="Century Gothic"/>
+              </a:rPr>
+              <a:t> </a:t>
+            </a:r>
+            <a:r>
+              <a:rPr lang="en-US" err="1">
+                <a:latin typeface="Century Gothic"/>
+              </a:rPr>
+              <a:t>straně</a:t>
+            </a:r>
+            <a:r>
+              <a:rPr lang="en-US">
+                <a:latin typeface="Century Gothic"/>
+              </a:rPr>
+              <a:t>)</a:t>
+            </a:r>
+          </a:p>
+          <a:p>
+            <a:pPr marL="171450" indent="-171450">
+              <a:buFont typeface="Calibri"/>
+              <a:buChar char="-"/>
+            </a:pPr>
+            <a:r>
+              <a:rPr lang="en-US" dirty="0">
+                <a:latin typeface="Century Gothic"/>
+              </a:rPr>
+              <a:t>Pro </a:t>
+            </a:r>
+            <a:r>
+              <a:rPr lang="en-US" dirty="0" err="1">
+                <a:latin typeface="Century Gothic"/>
+              </a:rPr>
+              <a:t>kombinování</a:t>
+            </a:r>
+            <a:r>
+              <a:rPr lang="en-US" dirty="0">
+                <a:latin typeface="Century Gothic"/>
+              </a:rPr>
+              <a:t> se </a:t>
+            </a:r>
+            <a:r>
+              <a:rPr lang="en-US" dirty="0" err="1">
+                <a:latin typeface="Century Gothic"/>
+              </a:rPr>
+              <a:t>generují</a:t>
+            </a:r>
+            <a:r>
+              <a:rPr lang="en-US" dirty="0">
+                <a:latin typeface="Century Gothic"/>
+              </a:rPr>
+              <a:t> </a:t>
+            </a:r>
+            <a:r>
+              <a:rPr lang="en-US" dirty="0" err="1">
+                <a:latin typeface="Century Gothic"/>
+              </a:rPr>
+              <a:t>vrstvy</a:t>
+            </a:r>
+            <a:r>
+              <a:rPr lang="en-US" dirty="0">
+                <a:latin typeface="Century Gothic"/>
+              </a:rPr>
+              <a:t> </a:t>
+            </a:r>
+            <a:r>
+              <a:rPr lang="en-US" dirty="0" err="1">
+                <a:latin typeface="Century Gothic"/>
+              </a:rPr>
+              <a:t>šumu</a:t>
+            </a:r>
+            <a:r>
+              <a:rPr lang="en-US" dirty="0">
+                <a:latin typeface="Century Gothic"/>
+              </a:rPr>
+              <a:t> s </a:t>
+            </a:r>
+            <a:r>
+              <a:rPr lang="en-US" dirty="0" err="1">
+                <a:latin typeface="Century Gothic"/>
+              </a:rPr>
+              <a:t>různou</a:t>
+            </a:r>
+            <a:r>
+              <a:rPr lang="en-US" dirty="0">
+                <a:latin typeface="Century Gothic"/>
+              </a:rPr>
+              <a:t> </a:t>
+            </a:r>
+            <a:r>
+              <a:rPr lang="en-US" dirty="0" err="1">
+                <a:latin typeface="Century Gothic"/>
+              </a:rPr>
+              <a:t>amplitudou</a:t>
+            </a:r>
+            <a:r>
+              <a:rPr lang="en-US" dirty="0">
+                <a:latin typeface="Century Gothic"/>
+              </a:rPr>
+              <a:t> a </a:t>
+            </a:r>
+            <a:r>
+              <a:rPr lang="en-US" dirty="0" err="1">
+                <a:latin typeface="Century Gothic"/>
+              </a:rPr>
+              <a:t>frekvencí</a:t>
+            </a:r>
+          </a:p>
+          <a:p>
+            <a:pPr marL="628650" lvl="1" indent="-171450">
+              <a:buFont typeface="Courier New"/>
+              <a:buChar char="o"/>
+            </a:pPr>
+            <a:r>
+              <a:rPr lang="en-US" err="1">
+                <a:latin typeface="Century Gothic"/>
+              </a:rPr>
+              <a:t>Amplituda</a:t>
+            </a:r>
+            <a:r>
+              <a:rPr lang="en-US" dirty="0">
+                <a:latin typeface="Century Gothic"/>
+              </a:rPr>
+              <a:t> </a:t>
+            </a:r>
+            <a:r>
+              <a:rPr lang="en-US" err="1">
+                <a:latin typeface="Century Gothic"/>
+              </a:rPr>
+              <a:t>násobí</a:t>
+            </a:r>
+            <a:r>
+              <a:rPr lang="en-US" dirty="0">
+                <a:latin typeface="Century Gothic"/>
+              </a:rPr>
+              <a:t> </a:t>
+            </a:r>
+            <a:r>
+              <a:rPr lang="en-US" err="1">
+                <a:latin typeface="Century Gothic"/>
+              </a:rPr>
+              <a:t>výsledek</a:t>
+            </a:r>
+            <a:r>
+              <a:rPr lang="en-US" dirty="0">
+                <a:latin typeface="Century Gothic"/>
+              </a:rPr>
+              <a:t> </a:t>
+            </a:r>
+            <a:r>
+              <a:rPr lang="en-US" err="1">
+                <a:latin typeface="Century Gothic"/>
+              </a:rPr>
+              <a:t>šumu</a:t>
+            </a:r>
+            <a:r>
+              <a:rPr lang="en-US" dirty="0">
+                <a:latin typeface="Century Gothic"/>
+              </a:rPr>
+              <a:t> (</a:t>
+            </a:r>
+            <a:r>
+              <a:rPr lang="en-US" err="1">
+                <a:latin typeface="Century Gothic"/>
+              </a:rPr>
+              <a:t>na</a:t>
+            </a:r>
+            <a:r>
+              <a:rPr lang="en-US" dirty="0">
+                <a:latin typeface="Century Gothic"/>
+              </a:rPr>
+              <a:t> </a:t>
+            </a:r>
+            <a:r>
+              <a:rPr lang="en-US" err="1">
+                <a:latin typeface="Century Gothic"/>
+              </a:rPr>
+              <a:t>počátku</a:t>
+            </a:r>
+            <a:r>
+              <a:rPr lang="en-US" dirty="0">
+                <a:latin typeface="Century Gothic"/>
+              </a:rPr>
+              <a:t> 1, pro </a:t>
+            </a:r>
+            <a:r>
+              <a:rPr lang="en-US" err="1">
+                <a:latin typeface="Century Gothic"/>
+              </a:rPr>
+              <a:t>další</a:t>
+            </a:r>
+            <a:r>
+              <a:rPr lang="en-US" dirty="0">
+                <a:latin typeface="Century Gothic"/>
+              </a:rPr>
+              <a:t> </a:t>
+            </a:r>
+            <a:r>
+              <a:rPr lang="en-US" err="1">
+                <a:latin typeface="Century Gothic"/>
+              </a:rPr>
+              <a:t>vrstvu</a:t>
+            </a:r>
+            <a:r>
+              <a:rPr lang="en-US" dirty="0">
+                <a:latin typeface="Century Gothic"/>
+              </a:rPr>
+              <a:t> </a:t>
+            </a:r>
+            <a:r>
+              <a:rPr lang="en-US" err="1">
+                <a:latin typeface="Century Gothic"/>
+              </a:rPr>
+              <a:t>polovina</a:t>
+            </a:r>
+            <a:r>
+              <a:rPr lang="en-US" dirty="0">
+                <a:latin typeface="Century Gothic"/>
+              </a:rPr>
+              <a:t> </a:t>
+            </a:r>
+            <a:r>
+              <a:rPr lang="en-US" err="1">
+                <a:latin typeface="Century Gothic"/>
+              </a:rPr>
+              <a:t>předchozí</a:t>
+            </a:r>
+            <a:r>
+              <a:rPr lang="en-US">
+                <a:latin typeface="Century Gothic"/>
+              </a:rPr>
+              <a:t>)</a:t>
+            </a:r>
+          </a:p>
+          <a:p>
+            <a:pPr marL="628650" lvl="1" indent="-171450">
+              <a:buFont typeface="Courier New"/>
+              <a:buChar char="o"/>
+            </a:pPr>
+            <a:r>
+              <a:rPr lang="en-US" dirty="0" err="1">
+                <a:latin typeface="Century Gothic"/>
+              </a:rPr>
+              <a:t>Frekvence</a:t>
+            </a:r>
+            <a:r>
+              <a:rPr lang="en-US" dirty="0">
+                <a:latin typeface="Century Gothic"/>
+              </a:rPr>
+              <a:t> </a:t>
+            </a:r>
+            <a:r>
+              <a:rPr lang="en-US" dirty="0" err="1">
+                <a:latin typeface="Century Gothic"/>
+              </a:rPr>
+              <a:t>mění</a:t>
+            </a:r>
+            <a:r>
+              <a:rPr lang="en-US" dirty="0">
+                <a:latin typeface="Century Gothic"/>
+              </a:rPr>
+              <a:t> </a:t>
+            </a:r>
+            <a:r>
+              <a:rPr lang="en-US" dirty="0" err="1">
+                <a:latin typeface="Century Gothic"/>
+              </a:rPr>
+              <a:t>velikost</a:t>
+            </a:r>
+            <a:r>
+              <a:rPr lang="en-US" dirty="0">
+                <a:latin typeface="Century Gothic"/>
+              </a:rPr>
+              <a:t> </a:t>
+            </a:r>
+            <a:r>
+              <a:rPr lang="en-US" dirty="0" err="1">
+                <a:latin typeface="Century Gothic"/>
+              </a:rPr>
+              <a:t>kroku</a:t>
+            </a:r>
+            <a:r>
+              <a:rPr lang="en-US" dirty="0">
+                <a:latin typeface="Century Gothic"/>
+              </a:rPr>
+              <a:t> (</a:t>
+            </a:r>
+            <a:r>
+              <a:rPr lang="en-US" dirty="0" err="1">
+                <a:latin typeface="Century Gothic"/>
+              </a:rPr>
+              <a:t>na</a:t>
+            </a:r>
+            <a:r>
+              <a:rPr lang="en-US" dirty="0">
+                <a:latin typeface="Century Gothic"/>
+              </a:rPr>
+              <a:t> </a:t>
+            </a:r>
+            <a:r>
+              <a:rPr lang="en-US" dirty="0" err="1">
+                <a:latin typeface="Century Gothic"/>
+              </a:rPr>
+              <a:t>počátku</a:t>
+            </a:r>
+            <a:r>
+              <a:rPr lang="en-US" dirty="0">
+                <a:latin typeface="Century Gothic"/>
+              </a:rPr>
+              <a:t> 1, pro </a:t>
+            </a:r>
+            <a:r>
+              <a:rPr lang="en-US" dirty="0" err="1">
+                <a:latin typeface="Century Gothic"/>
+              </a:rPr>
+              <a:t>další</a:t>
+            </a:r>
+            <a:r>
+              <a:rPr lang="en-US" dirty="0">
+                <a:latin typeface="Century Gothic"/>
+              </a:rPr>
+              <a:t> </a:t>
+            </a:r>
+            <a:r>
+              <a:rPr lang="en-US" dirty="0" err="1">
+                <a:latin typeface="Century Gothic"/>
+              </a:rPr>
+              <a:t>vrsvu</a:t>
+            </a:r>
+            <a:r>
+              <a:rPr lang="en-US" dirty="0">
+                <a:latin typeface="Century Gothic"/>
+              </a:rPr>
+              <a:t> </a:t>
+            </a:r>
+            <a:r>
+              <a:rPr lang="en-US" dirty="0" err="1">
+                <a:latin typeface="Century Gothic"/>
+              </a:rPr>
+              <a:t>dvojnásobek</a:t>
+            </a:r>
+            <a:r>
+              <a:rPr lang="en-US" dirty="0">
+                <a:latin typeface="Century Gothic"/>
+              </a:rPr>
+              <a:t> </a:t>
+            </a:r>
+            <a:r>
+              <a:rPr lang="en-US" dirty="0" err="1">
+                <a:latin typeface="Century Gothic"/>
+              </a:rPr>
+              <a:t>předchozí</a:t>
+            </a:r>
+            <a:r>
+              <a:rPr lang="en-US" dirty="0">
+                <a:latin typeface="Century Gothic"/>
+              </a:rPr>
+              <a:t>)</a:t>
+            </a:r>
+            <a:endParaRPr lang="en-US" dirty="0"/>
           </a:p>
         </p:txBody>
       </p:sp>
@@ -1002,7 +1597,7 @@
             <a:fld id="{511FA9D6-BDC7-4110-B055-029A3A5CC98B}" type="slidenum">
               <a:rPr lang="cs-CZ" altLang="cs-CZ" smtClean="0"/>
               <a:pPr/>
-              <a:t>2</a:t>
+              <a:t>3</a:t>
             </a:fld>
             <a:endParaRPr lang="cs-CZ" altLang="cs-CZ"/>
           </a:p>
@@ -1012,6 +1607,2178 @@
     <p:extLst>
       <p:ext uri="{BB962C8B-B14F-4D97-AF65-F5344CB8AC3E}">
         <p14:creationId xmlns:p14="http://schemas.microsoft.com/office/powerpoint/2010/main" val="1899756234"/>
+      </p:ext>
+    </p:extLst>
+  </p:cSld>
+  <p:clrMapOvr>
+    <a:masterClrMapping/>
+  </p:clrMapOvr>
+</p:notes>
+</file>
+
+<file path=ppt/notesSlides/notesSlide2.xml><?xml version="1.0" encoding="utf-8"?>
+<p:notes xmlns:a="http://schemas.openxmlformats.org/drawingml/2006/main" xmlns:r="http://schemas.openxmlformats.org/officeDocument/2006/relationships" xmlns:p="http://schemas.openxmlformats.org/presentationml/2006/main">
+  <p:cSld>
+    <p:spTree>
+      <p:nvGrpSpPr>
+        <p:cNvPr id="1" name=""/>
+        <p:cNvGrpSpPr/>
+        <p:nvPr/>
+      </p:nvGrpSpPr>
+      <p:grpSpPr>
+        <a:xfrm>
+          <a:off x="0" y="0"/>
+          <a:ext cx="0" cy="0"/>
+          <a:chOff x="0" y="0"/>
+          <a:chExt cx="0" cy="0"/>
+        </a:xfrm>
+      </p:grpSpPr>
+      <p:sp>
+        <p:nvSpPr>
+          <p:cNvPr id="2" name="Slide Image Placeholder 1"/>
+          <p:cNvSpPr>
+            <a:spLocks noGrp="1" noRot="1" noChangeAspect="1"/>
+          </p:cNvSpPr>
+          <p:nvPr>
+            <p:ph type="sldImg"/>
+          </p:nvPr>
+        </p:nvSpPr>
+        <p:spPr/>
+      </p:sp>
+      <p:sp>
+        <p:nvSpPr>
+          <p:cNvPr id="3" name="Notes Placeholder 2"/>
+          <p:cNvSpPr>
+            <a:spLocks noGrp="1"/>
+          </p:cNvSpPr>
+          <p:nvPr>
+            <p:ph type="body" idx="1"/>
+          </p:nvPr>
+        </p:nvSpPr>
+        <p:spPr/>
+        <p:txBody>
+          <a:bodyPr/>
+          <a:lstStyle/>
+          <a:p>
+            <a:pPr marL="285750" indent="-285750">
+              <a:buFont typeface="Calibri"/>
+              <a:buChar char="-"/>
+            </a:pPr>
+            <a:r>
+              <a:rPr lang="en-US" dirty="0" err="1">
+                <a:latin typeface="Calibri"/>
+                <a:ea typeface="Calibri"/>
+                <a:cs typeface="Calibri"/>
+              </a:rPr>
+              <a:t>Výsledkem</a:t>
+            </a:r>
+            <a:r>
+              <a:rPr lang="en-US" dirty="0">
+                <a:latin typeface="Calibri"/>
+                <a:ea typeface="Calibri"/>
+                <a:cs typeface="Calibri"/>
+              </a:rPr>
+              <a:t> </a:t>
+            </a:r>
+            <a:r>
+              <a:rPr lang="en-US" dirty="0" err="1">
+                <a:latin typeface="Calibri"/>
+                <a:ea typeface="Calibri"/>
+                <a:cs typeface="Calibri"/>
+              </a:rPr>
+              <a:t>kombinace</a:t>
+            </a:r>
+            <a:r>
+              <a:rPr lang="en-US" dirty="0">
+                <a:latin typeface="Calibri"/>
+                <a:ea typeface="Calibri"/>
+                <a:cs typeface="Calibri"/>
+              </a:rPr>
+              <a:t> </a:t>
+            </a:r>
+            <a:r>
+              <a:rPr lang="en-US" dirty="0" err="1">
+                <a:latin typeface="Calibri"/>
+                <a:ea typeface="Calibri"/>
+                <a:cs typeface="Calibri"/>
+              </a:rPr>
+              <a:t>několika</a:t>
+            </a:r>
+            <a:r>
+              <a:rPr lang="en-US" dirty="0">
+                <a:latin typeface="Calibri"/>
+                <a:ea typeface="Calibri"/>
+                <a:cs typeface="Calibri"/>
+              </a:rPr>
+              <a:t> </a:t>
+            </a:r>
+            <a:r>
+              <a:rPr lang="en-US" dirty="0" err="1">
+                <a:latin typeface="Calibri"/>
+                <a:ea typeface="Calibri"/>
+                <a:cs typeface="Calibri"/>
+              </a:rPr>
+              <a:t>vrstev</a:t>
+            </a:r>
+            <a:r>
+              <a:rPr lang="en-US" dirty="0">
+                <a:latin typeface="Calibri"/>
+                <a:ea typeface="Calibri"/>
+                <a:cs typeface="Calibri"/>
+              </a:rPr>
+              <a:t> </a:t>
+            </a:r>
+            <a:r>
+              <a:rPr lang="en-US" dirty="0" err="1">
+                <a:latin typeface="Calibri"/>
+                <a:ea typeface="Calibri"/>
+                <a:cs typeface="Calibri"/>
+              </a:rPr>
+              <a:t>šumu</a:t>
+            </a:r>
+            <a:r>
+              <a:rPr lang="en-US" dirty="0">
+                <a:latin typeface="Calibri"/>
+                <a:ea typeface="Calibri"/>
+                <a:cs typeface="Calibri"/>
+              </a:rPr>
+              <a:t> </a:t>
+            </a:r>
+            <a:r>
+              <a:rPr lang="en-US" dirty="0" err="1">
+                <a:latin typeface="Calibri"/>
+                <a:ea typeface="Calibri"/>
+                <a:cs typeface="Calibri"/>
+              </a:rPr>
+              <a:t>vznikne</a:t>
+            </a:r>
+            <a:r>
+              <a:rPr lang="en-US" dirty="0">
+                <a:latin typeface="Calibri"/>
+                <a:ea typeface="Calibri"/>
+                <a:cs typeface="Calibri"/>
+              </a:rPr>
+              <a:t> </a:t>
+            </a:r>
+            <a:r>
+              <a:rPr lang="en-US" dirty="0" err="1">
+                <a:latin typeface="Calibri"/>
+                <a:ea typeface="Calibri"/>
+                <a:cs typeface="Calibri"/>
+              </a:rPr>
+              <a:t>tzv</a:t>
+            </a:r>
+            <a:r>
+              <a:rPr lang="en-US" dirty="0">
+                <a:latin typeface="Calibri"/>
+                <a:ea typeface="Calibri"/>
+                <a:cs typeface="Calibri"/>
+              </a:rPr>
+              <a:t>. height </a:t>
+            </a:r>
+            <a:r>
+              <a:rPr lang="en-US" dirty="0" err="1">
+                <a:latin typeface="Calibri"/>
+                <a:ea typeface="Calibri"/>
+                <a:cs typeface="Calibri"/>
+              </a:rPr>
+              <a:t>mapa</a:t>
+            </a:r>
+            <a:endParaRPr lang="en-US" dirty="0">
+              <a:latin typeface="Calibri"/>
+              <a:ea typeface="Calibri"/>
+              <a:cs typeface="Calibri"/>
+            </a:endParaRPr>
+          </a:p>
+          <a:p>
+            <a:pPr marL="285750" indent="-285750">
+              <a:buFont typeface="Calibri"/>
+              <a:buChar char="-"/>
+            </a:pPr>
+            <a:r>
+              <a:rPr lang="en-US" dirty="0">
+                <a:latin typeface="Calibri"/>
+                <a:ea typeface="Calibri"/>
+                <a:cs typeface="Calibri"/>
+              </a:rPr>
+              <a:t>Na </a:t>
+            </a:r>
+            <a:r>
+              <a:rPr lang="en-US" err="1">
+                <a:latin typeface="Calibri"/>
+                <a:ea typeface="Calibri"/>
+                <a:cs typeface="Calibri"/>
+              </a:rPr>
+              <a:t>základě</a:t>
+            </a:r>
+            <a:r>
+              <a:rPr lang="en-US" dirty="0">
+                <a:latin typeface="Calibri"/>
+                <a:ea typeface="Calibri"/>
+                <a:cs typeface="Calibri"/>
+              </a:rPr>
+              <a:t> height </a:t>
+            </a:r>
+            <a:r>
+              <a:rPr lang="en-US" err="1">
+                <a:latin typeface="Calibri"/>
+                <a:ea typeface="Calibri"/>
+                <a:cs typeface="Calibri"/>
+              </a:rPr>
+              <a:t>mapy</a:t>
+            </a:r>
+            <a:r>
+              <a:rPr lang="en-US" dirty="0">
+                <a:latin typeface="Calibri"/>
+                <a:ea typeface="Calibri"/>
+                <a:cs typeface="Calibri"/>
+              </a:rPr>
+              <a:t> se </a:t>
+            </a:r>
+            <a:r>
+              <a:rPr lang="en-US" err="1">
+                <a:latin typeface="Calibri"/>
+                <a:ea typeface="Calibri"/>
+                <a:cs typeface="Calibri"/>
+              </a:rPr>
+              <a:t>generují</a:t>
+            </a:r>
+            <a:r>
+              <a:rPr lang="en-US" dirty="0">
+                <a:latin typeface="Calibri"/>
+                <a:ea typeface="Calibri"/>
+                <a:cs typeface="Calibri"/>
+              </a:rPr>
+              <a:t> </a:t>
+            </a:r>
+            <a:r>
+              <a:rPr lang="en-US" err="1">
+                <a:latin typeface="Calibri"/>
+                <a:ea typeface="Calibri"/>
+                <a:cs typeface="Calibri"/>
+              </a:rPr>
+              <a:t>vertexy</a:t>
+            </a:r>
+            <a:r>
+              <a:rPr lang="en-US" dirty="0">
+                <a:latin typeface="Calibri"/>
+                <a:ea typeface="Calibri"/>
+                <a:cs typeface="Calibri"/>
+              </a:rPr>
+              <a:t> (y = </a:t>
+            </a:r>
+            <a:r>
+              <a:rPr lang="en-US" err="1">
+                <a:latin typeface="Calibri"/>
+                <a:ea typeface="Calibri"/>
+                <a:cs typeface="Calibri"/>
+              </a:rPr>
+              <a:t>výška</a:t>
+            </a:r>
+            <a:r>
+              <a:rPr lang="en-US" dirty="0">
+                <a:latin typeface="Calibri"/>
+                <a:ea typeface="Calibri"/>
+                <a:cs typeface="Calibri"/>
+              </a:rPr>
+              <a:t> </a:t>
+            </a:r>
+            <a:r>
+              <a:rPr lang="en-US" err="1">
+                <a:latin typeface="Calibri"/>
+                <a:ea typeface="Calibri"/>
+                <a:cs typeface="Calibri"/>
+              </a:rPr>
+              <a:t>terénu</a:t>
+            </a:r>
+            <a:r>
+              <a:rPr lang="en-US" dirty="0">
+                <a:latin typeface="Calibri"/>
+                <a:ea typeface="Calibri"/>
+                <a:cs typeface="Calibri"/>
+              </a:rPr>
+              <a:t> = </a:t>
+            </a:r>
+            <a:r>
+              <a:rPr lang="en-US" err="1">
+                <a:latin typeface="Calibri"/>
+                <a:ea typeface="Calibri"/>
+                <a:cs typeface="Calibri"/>
+              </a:rPr>
+              <a:t>hodnota</a:t>
+            </a:r>
+            <a:r>
+              <a:rPr lang="en-US">
+                <a:latin typeface="Calibri"/>
+                <a:ea typeface="Calibri"/>
+                <a:cs typeface="Calibri"/>
+              </a:rPr>
+              <a:t> v height </a:t>
+            </a:r>
+            <a:r>
+              <a:rPr lang="en-US" err="1">
+                <a:latin typeface="Calibri"/>
+                <a:ea typeface="Calibri"/>
+                <a:cs typeface="Calibri"/>
+              </a:rPr>
+              <a:t>mapě</a:t>
+            </a:r>
+            <a:r>
+              <a:rPr lang="en-US">
+                <a:latin typeface="Calibri"/>
+                <a:ea typeface="Calibri"/>
+                <a:cs typeface="Calibri"/>
+              </a:rPr>
+              <a:t>)</a:t>
+            </a:r>
+          </a:p>
+          <a:p>
+            <a:pPr marL="285750" indent="-285750">
+              <a:buFont typeface="Calibri"/>
+              <a:buChar char="-"/>
+            </a:pPr>
+            <a:r>
+              <a:rPr lang="en-US" err="1">
+                <a:latin typeface="Calibri"/>
+                <a:ea typeface="Calibri"/>
+                <a:cs typeface="Calibri"/>
+              </a:rPr>
+              <a:t>Osvětlení</a:t>
+            </a:r>
+            <a:r>
+              <a:rPr lang="en-US">
+                <a:latin typeface="Calibri"/>
+                <a:ea typeface="Calibri"/>
+                <a:cs typeface="Calibri"/>
+              </a:rPr>
+              <a:t>:</a:t>
+            </a:r>
+          </a:p>
+          <a:p>
+            <a:pPr marL="742950" lvl="1" indent="-285750">
+              <a:buFont typeface="Courier New"/>
+              <a:buChar char="o"/>
+            </a:pPr>
+            <a:r>
+              <a:rPr lang="en-US" err="1">
+                <a:latin typeface="Calibri"/>
+                <a:ea typeface="Calibri"/>
+                <a:cs typeface="Calibri"/>
+              </a:rPr>
+              <a:t>Ambientní</a:t>
+            </a:r>
+            <a:r>
+              <a:rPr lang="en-US" dirty="0">
+                <a:latin typeface="Calibri"/>
+                <a:ea typeface="Calibri"/>
+                <a:cs typeface="Calibri"/>
+              </a:rPr>
+              <a:t>: </a:t>
+            </a:r>
+            <a:r>
+              <a:rPr lang="en-US" err="1">
+                <a:latin typeface="Calibri"/>
+                <a:ea typeface="Calibri"/>
+                <a:cs typeface="Calibri"/>
+              </a:rPr>
+              <a:t>minimální</a:t>
+            </a:r>
+            <a:r>
+              <a:rPr lang="en-US" dirty="0">
+                <a:latin typeface="Calibri"/>
+                <a:ea typeface="Calibri"/>
+                <a:cs typeface="Calibri"/>
+              </a:rPr>
+              <a:t> </a:t>
+            </a:r>
+            <a:r>
+              <a:rPr lang="en-US" err="1">
+                <a:latin typeface="Calibri"/>
+                <a:ea typeface="Calibri"/>
+                <a:cs typeface="Calibri"/>
+              </a:rPr>
+              <a:t>intenzita</a:t>
+            </a:r>
+            <a:r>
+              <a:rPr lang="en-US" dirty="0">
+                <a:latin typeface="Calibri"/>
+                <a:ea typeface="Calibri"/>
+                <a:cs typeface="Calibri"/>
+              </a:rPr>
+              <a:t> </a:t>
+            </a:r>
+            <a:r>
+              <a:rPr lang="en-US" err="1">
+                <a:latin typeface="Calibri"/>
+                <a:ea typeface="Calibri"/>
+                <a:cs typeface="Calibri"/>
+              </a:rPr>
+              <a:t>světla</a:t>
+            </a:r>
+            <a:r>
+              <a:rPr lang="en-US" dirty="0">
+                <a:latin typeface="Calibri"/>
+                <a:ea typeface="Calibri"/>
+                <a:cs typeface="Calibri"/>
+              </a:rPr>
+              <a:t> (</a:t>
+            </a:r>
+            <a:r>
+              <a:rPr lang="en-US" err="1">
+                <a:latin typeface="Calibri"/>
+                <a:ea typeface="Calibri"/>
+                <a:cs typeface="Calibri"/>
+              </a:rPr>
+              <a:t>např</a:t>
+            </a:r>
+            <a:r>
+              <a:rPr lang="en-US" dirty="0">
+                <a:latin typeface="Calibri"/>
+                <a:ea typeface="Calibri"/>
+                <a:cs typeface="Calibri"/>
+              </a:rPr>
+              <a:t>. </a:t>
+            </a:r>
+            <a:r>
+              <a:rPr lang="en-US" err="1">
+                <a:latin typeface="Calibri"/>
+                <a:ea typeface="Calibri"/>
+                <a:cs typeface="Calibri"/>
+              </a:rPr>
+              <a:t>když</a:t>
+            </a:r>
+            <a:r>
+              <a:rPr lang="en-US" dirty="0">
+                <a:latin typeface="Calibri"/>
+                <a:ea typeface="Calibri"/>
+                <a:cs typeface="Calibri"/>
+              </a:rPr>
+              <a:t> </a:t>
+            </a:r>
+            <a:r>
+              <a:rPr lang="en-US" err="1">
+                <a:latin typeface="Calibri"/>
+                <a:ea typeface="Calibri"/>
+                <a:cs typeface="Calibri"/>
+              </a:rPr>
+              <a:t>na</a:t>
+            </a:r>
+            <a:r>
+              <a:rPr lang="en-US" dirty="0">
+                <a:latin typeface="Calibri"/>
+                <a:ea typeface="Calibri"/>
+                <a:cs typeface="Calibri"/>
+              </a:rPr>
+              <a:t> </a:t>
+            </a:r>
+            <a:r>
+              <a:rPr lang="en-US" err="1">
+                <a:latin typeface="Calibri"/>
+                <a:ea typeface="Calibri"/>
+                <a:cs typeface="Calibri"/>
+              </a:rPr>
+              <a:t>objekt</a:t>
+            </a:r>
+            <a:r>
+              <a:rPr lang="en-US" dirty="0">
+                <a:latin typeface="Calibri"/>
+                <a:ea typeface="Calibri"/>
+                <a:cs typeface="Calibri"/>
+              </a:rPr>
+              <a:t> </a:t>
+            </a:r>
+            <a:r>
+              <a:rPr lang="en-US" err="1">
+                <a:latin typeface="Calibri"/>
+                <a:ea typeface="Calibri"/>
+                <a:cs typeface="Calibri"/>
+              </a:rPr>
+              <a:t>přímo</a:t>
+            </a:r>
+            <a:r>
+              <a:rPr lang="en-US" dirty="0">
+                <a:latin typeface="Calibri"/>
+                <a:ea typeface="Calibri"/>
+                <a:cs typeface="Calibri"/>
+              </a:rPr>
+              <a:t> </a:t>
+            </a:r>
+            <a:r>
+              <a:rPr lang="en-US" err="1">
+                <a:latin typeface="Calibri"/>
+                <a:ea typeface="Calibri"/>
+                <a:cs typeface="Calibri"/>
+              </a:rPr>
+              <a:t>nesvítí</a:t>
+            </a:r>
+            <a:r>
+              <a:rPr lang="en-US" dirty="0">
+                <a:latin typeface="Calibri"/>
+                <a:ea typeface="Calibri"/>
+                <a:cs typeface="Calibri"/>
+              </a:rPr>
+              <a:t>, </a:t>
+            </a:r>
+            <a:r>
+              <a:rPr lang="en-US" err="1">
+                <a:latin typeface="Calibri"/>
+                <a:ea typeface="Calibri"/>
+                <a:cs typeface="Calibri"/>
+              </a:rPr>
+              <a:t>nebude</a:t>
+            </a:r>
+            <a:r>
+              <a:rPr lang="en-US" dirty="0">
+                <a:latin typeface="Calibri"/>
+                <a:ea typeface="Calibri"/>
+                <a:cs typeface="Calibri"/>
+              </a:rPr>
+              <a:t> </a:t>
+            </a:r>
+            <a:r>
+              <a:rPr lang="en-US" err="1">
+                <a:latin typeface="Calibri"/>
+                <a:ea typeface="Calibri"/>
+                <a:cs typeface="Calibri"/>
+              </a:rPr>
+              <a:t>plně</a:t>
+            </a:r>
+            <a:r>
+              <a:rPr lang="en-US" dirty="0">
+                <a:latin typeface="Calibri"/>
+                <a:ea typeface="Calibri"/>
+                <a:cs typeface="Calibri"/>
+              </a:rPr>
+              <a:t> </a:t>
+            </a:r>
+            <a:r>
+              <a:rPr lang="en-US" err="1">
+                <a:latin typeface="Calibri"/>
+                <a:ea typeface="Calibri"/>
+                <a:cs typeface="Calibri"/>
+              </a:rPr>
+              <a:t>černý</a:t>
+            </a:r>
+            <a:r>
+              <a:rPr lang="en-US" dirty="0">
+                <a:latin typeface="Calibri"/>
+                <a:ea typeface="Calibri"/>
+                <a:cs typeface="Calibri"/>
+              </a:rPr>
+              <a:t>)</a:t>
+            </a:r>
+          </a:p>
+          <a:p>
+            <a:pPr marL="742950" lvl="1" indent="-285750">
+              <a:buFont typeface="Courier New"/>
+              <a:buChar char="o"/>
+            </a:pPr>
+            <a:r>
+              <a:rPr lang="en-US" err="1">
+                <a:latin typeface="Calibri"/>
+                <a:ea typeface="Calibri"/>
+                <a:cs typeface="Calibri"/>
+              </a:rPr>
+              <a:t>Difúzní</a:t>
+            </a:r>
+            <a:r>
+              <a:rPr lang="en-US" dirty="0">
+                <a:latin typeface="Calibri"/>
+                <a:ea typeface="Calibri"/>
+                <a:cs typeface="Calibri"/>
+              </a:rPr>
+              <a:t>: </a:t>
+            </a:r>
+            <a:r>
+              <a:rPr lang="en-US" err="1">
+                <a:latin typeface="Calibri"/>
+                <a:ea typeface="Calibri"/>
+                <a:cs typeface="Calibri"/>
+              </a:rPr>
+              <a:t>na</a:t>
+            </a:r>
+            <a:r>
+              <a:rPr lang="en-US" dirty="0">
+                <a:latin typeface="Calibri"/>
+                <a:ea typeface="Calibri"/>
+                <a:cs typeface="Calibri"/>
+              </a:rPr>
+              <a:t> </a:t>
+            </a:r>
+            <a:r>
+              <a:rPr lang="en-US" err="1">
+                <a:latin typeface="Calibri"/>
+                <a:ea typeface="Calibri"/>
+                <a:cs typeface="Calibri"/>
+              </a:rPr>
+              <a:t>základě</a:t>
+            </a:r>
+            <a:r>
+              <a:rPr lang="en-US" dirty="0">
+                <a:latin typeface="Calibri"/>
+                <a:ea typeface="Calibri"/>
+                <a:cs typeface="Calibri"/>
+              </a:rPr>
+              <a:t> </a:t>
+            </a:r>
+            <a:r>
+              <a:rPr lang="en-US" err="1">
+                <a:latin typeface="Calibri"/>
+                <a:ea typeface="Calibri"/>
+                <a:cs typeface="Calibri"/>
+              </a:rPr>
+              <a:t>úhlu</a:t>
+            </a:r>
+            <a:r>
+              <a:rPr lang="en-US" dirty="0">
+                <a:latin typeface="Calibri"/>
+                <a:ea typeface="Calibri"/>
+                <a:cs typeface="Calibri"/>
+              </a:rPr>
+              <a:t> </a:t>
+            </a:r>
+            <a:r>
+              <a:rPr lang="en-US" err="1">
+                <a:latin typeface="Calibri"/>
+                <a:ea typeface="Calibri"/>
+                <a:cs typeface="Calibri"/>
+              </a:rPr>
+              <a:t>normály</a:t>
+            </a:r>
+            <a:r>
+              <a:rPr lang="en-US" dirty="0">
+                <a:latin typeface="Calibri"/>
+                <a:ea typeface="Calibri"/>
+                <a:cs typeface="Calibri"/>
+              </a:rPr>
+              <a:t> a </a:t>
+            </a:r>
+            <a:r>
+              <a:rPr lang="en-US" err="1">
+                <a:latin typeface="Calibri"/>
+                <a:ea typeface="Calibri"/>
+                <a:cs typeface="Calibri"/>
+              </a:rPr>
+              <a:t>směrovému</a:t>
+            </a:r>
+            <a:r>
+              <a:rPr lang="en-US" dirty="0">
+                <a:latin typeface="Calibri"/>
+                <a:ea typeface="Calibri"/>
+                <a:cs typeface="Calibri"/>
+              </a:rPr>
+              <a:t> </a:t>
+            </a:r>
+            <a:r>
+              <a:rPr lang="en-US" err="1">
+                <a:latin typeface="Calibri"/>
+                <a:ea typeface="Calibri"/>
+                <a:cs typeface="Calibri"/>
+              </a:rPr>
+              <a:t>vektoru</a:t>
+            </a:r>
+            <a:r>
+              <a:rPr lang="en-US" dirty="0">
+                <a:latin typeface="Calibri"/>
+                <a:ea typeface="Calibri"/>
+                <a:cs typeface="Calibri"/>
+              </a:rPr>
+              <a:t> od </a:t>
+            </a:r>
+            <a:r>
+              <a:rPr lang="en-US" err="1">
+                <a:latin typeface="Calibri"/>
+                <a:ea typeface="Calibri"/>
+                <a:cs typeface="Calibri"/>
+              </a:rPr>
+              <a:t>fragmentu</a:t>
+            </a:r>
+            <a:r>
+              <a:rPr lang="en-US" dirty="0">
+                <a:latin typeface="Calibri"/>
+                <a:ea typeface="Calibri"/>
+                <a:cs typeface="Calibri"/>
+              </a:rPr>
+              <a:t> </a:t>
+            </a:r>
+            <a:r>
+              <a:rPr lang="en-US" err="1">
+                <a:latin typeface="Calibri"/>
+                <a:ea typeface="Calibri"/>
+                <a:cs typeface="Calibri"/>
+              </a:rPr>
+              <a:t>ke</a:t>
+            </a:r>
+            <a:r>
+              <a:rPr lang="en-US" dirty="0">
+                <a:latin typeface="Calibri"/>
+                <a:ea typeface="Calibri"/>
+                <a:cs typeface="Calibri"/>
+              </a:rPr>
+              <a:t> </a:t>
+            </a:r>
+            <a:r>
+              <a:rPr lang="en-US" err="1">
+                <a:latin typeface="Calibri"/>
+                <a:ea typeface="Calibri"/>
+                <a:cs typeface="Calibri"/>
+              </a:rPr>
+              <a:t>zdroji</a:t>
+            </a:r>
+            <a:r>
+              <a:rPr lang="en-US" dirty="0">
+                <a:latin typeface="Calibri"/>
+                <a:ea typeface="Calibri"/>
+                <a:cs typeface="Calibri"/>
+              </a:rPr>
+              <a:t> </a:t>
+            </a:r>
+            <a:r>
+              <a:rPr lang="en-US" err="1">
+                <a:latin typeface="Calibri"/>
+                <a:ea typeface="Calibri"/>
+                <a:cs typeface="Calibri"/>
+              </a:rPr>
+              <a:t>světla</a:t>
+            </a:r>
+            <a:r>
+              <a:rPr lang="en-US" dirty="0">
+                <a:latin typeface="Calibri"/>
+                <a:ea typeface="Calibri"/>
+                <a:cs typeface="Calibri"/>
+              </a:rPr>
+              <a:t> (</a:t>
+            </a:r>
+            <a:r>
+              <a:rPr lang="en-US" err="1">
+                <a:latin typeface="Calibri"/>
+                <a:ea typeface="Calibri"/>
+                <a:cs typeface="Calibri"/>
+              </a:rPr>
+              <a:t>čím</a:t>
+            </a:r>
+            <a:r>
+              <a:rPr lang="en-US" dirty="0">
+                <a:latin typeface="Calibri"/>
+                <a:ea typeface="Calibri"/>
+                <a:cs typeface="Calibri"/>
+              </a:rPr>
+              <a:t> </a:t>
+            </a:r>
+            <a:r>
+              <a:rPr lang="en-US" err="1">
+                <a:latin typeface="Calibri"/>
+                <a:ea typeface="Calibri"/>
+                <a:cs typeface="Calibri"/>
+              </a:rPr>
+              <a:t>méně</a:t>
+            </a:r>
+            <a:r>
+              <a:rPr lang="en-US" dirty="0">
+                <a:latin typeface="Calibri"/>
+                <a:ea typeface="Calibri"/>
+                <a:cs typeface="Calibri"/>
+              </a:rPr>
+              <a:t> </a:t>
+            </a:r>
+            <a:r>
+              <a:rPr lang="en-US" err="1">
+                <a:latin typeface="Calibri"/>
+                <a:ea typeface="Calibri"/>
+                <a:cs typeface="Calibri"/>
+              </a:rPr>
+              <a:t>kolmé</a:t>
+            </a:r>
+            <a:r>
+              <a:rPr lang="en-US" dirty="0">
+                <a:latin typeface="Calibri"/>
+                <a:ea typeface="Calibri"/>
+                <a:cs typeface="Calibri"/>
+              </a:rPr>
+              <a:t>, </a:t>
+            </a:r>
+            <a:r>
+              <a:rPr lang="en-US" err="1">
+                <a:latin typeface="Calibri"/>
+                <a:ea typeface="Calibri"/>
+                <a:cs typeface="Calibri"/>
+              </a:rPr>
+              <a:t>tím</a:t>
+            </a:r>
+            <a:r>
+              <a:rPr lang="en-US" dirty="0">
+                <a:latin typeface="Calibri"/>
+                <a:ea typeface="Calibri"/>
+                <a:cs typeface="Calibri"/>
+              </a:rPr>
+              <a:t> </a:t>
+            </a:r>
+            <a:r>
+              <a:rPr lang="en-US" err="1">
+                <a:latin typeface="Calibri"/>
+                <a:ea typeface="Calibri"/>
+                <a:cs typeface="Calibri"/>
+              </a:rPr>
+              <a:t>tmavší</a:t>
+            </a:r>
+            <a:r>
+              <a:rPr lang="en-US">
+                <a:latin typeface="Calibri"/>
+                <a:ea typeface="Calibri"/>
+                <a:cs typeface="Calibri"/>
+              </a:rPr>
+              <a:t>)</a:t>
+            </a:r>
+          </a:p>
+          <a:p>
+            <a:pPr marL="171450" indent="-171450">
+              <a:buFont typeface="Calibri"/>
+              <a:buChar char="-"/>
+            </a:pPr>
+            <a:r>
+              <a:rPr lang="en-US" dirty="0" err="1">
+                <a:latin typeface="Calibri"/>
+                <a:ea typeface="Calibri"/>
+                <a:cs typeface="Calibri"/>
+              </a:rPr>
+              <a:t>Výsledný</a:t>
+            </a:r>
+            <a:r>
+              <a:rPr lang="en-US" dirty="0">
+                <a:latin typeface="Calibri"/>
+                <a:ea typeface="Calibri"/>
+                <a:cs typeface="Calibri"/>
+              </a:rPr>
+              <a:t> </a:t>
+            </a:r>
+            <a:r>
+              <a:rPr lang="en-US" dirty="0" err="1">
+                <a:latin typeface="Calibri"/>
+                <a:ea typeface="Calibri"/>
+                <a:cs typeface="Calibri"/>
+              </a:rPr>
+              <a:t>terén</a:t>
+            </a:r>
+            <a:r>
+              <a:rPr lang="en-US" dirty="0">
+                <a:latin typeface="Calibri"/>
+                <a:ea typeface="Calibri"/>
+                <a:cs typeface="Calibri"/>
+              </a:rPr>
+              <a:t> </a:t>
+            </a:r>
+            <a:r>
+              <a:rPr lang="en-US" dirty="0" err="1">
+                <a:latin typeface="Calibri"/>
+                <a:ea typeface="Calibri"/>
+                <a:cs typeface="Calibri"/>
+              </a:rPr>
+              <a:t>působní</a:t>
+            </a:r>
+            <a:r>
+              <a:rPr lang="en-US" dirty="0">
+                <a:latin typeface="Calibri"/>
+                <a:ea typeface="Calibri"/>
+                <a:cs typeface="Calibri"/>
+              </a:rPr>
+              <a:t> </a:t>
+            </a:r>
+            <a:r>
+              <a:rPr lang="en-US" dirty="0" err="1">
+                <a:latin typeface="Calibri"/>
+                <a:ea typeface="Calibri"/>
+                <a:cs typeface="Calibri"/>
+              </a:rPr>
+              <a:t>nepřirozeně</a:t>
+            </a:r>
+            <a:r>
+              <a:rPr lang="en-US" dirty="0">
+                <a:latin typeface="Calibri"/>
+                <a:ea typeface="Calibri"/>
+                <a:cs typeface="Calibri"/>
+              </a:rPr>
+              <a:t> - </a:t>
+            </a:r>
+            <a:r>
+              <a:rPr lang="en-US" dirty="0" err="1">
+                <a:latin typeface="Calibri"/>
+                <a:ea typeface="Calibri"/>
+                <a:cs typeface="Calibri"/>
+              </a:rPr>
+              <a:t>velmi</a:t>
+            </a:r>
+            <a:r>
+              <a:rPr lang="en-US" dirty="0">
+                <a:latin typeface="Calibri"/>
+                <a:ea typeface="Calibri"/>
+                <a:cs typeface="Calibri"/>
+              </a:rPr>
+              <a:t> </a:t>
+            </a:r>
+            <a:r>
+              <a:rPr lang="en-US" dirty="0" err="1">
+                <a:latin typeface="Calibri"/>
+                <a:ea typeface="Calibri"/>
+                <a:cs typeface="Calibri"/>
+              </a:rPr>
+              <a:t>jemný</a:t>
+            </a:r>
+            <a:r>
+              <a:rPr lang="en-US" dirty="0">
+                <a:latin typeface="Calibri"/>
+                <a:ea typeface="Calibri"/>
+                <a:cs typeface="Calibri"/>
+              </a:rPr>
+              <a:t> a </a:t>
+            </a:r>
+            <a:r>
+              <a:rPr lang="en-US" dirty="0" err="1">
+                <a:latin typeface="Calibri"/>
+                <a:ea typeface="Calibri"/>
+                <a:cs typeface="Calibri"/>
+              </a:rPr>
+              <a:t>vlnitý</a:t>
+            </a:r>
+          </a:p>
+        </p:txBody>
+      </p:sp>
+      <p:sp>
+        <p:nvSpPr>
+          <p:cNvPr id="4" name="Slide Number Placeholder 3"/>
+          <p:cNvSpPr>
+            <a:spLocks noGrp="1"/>
+          </p:cNvSpPr>
+          <p:nvPr>
+            <p:ph type="sldNum" sz="quarter" idx="5"/>
+          </p:nvPr>
+        </p:nvSpPr>
+        <p:spPr/>
+        <p:txBody>
+          <a:bodyPr/>
+          <a:lstStyle/>
+          <a:p>
+            <a:fld id="{511FA9D6-BDC7-4110-B055-029A3A5CC98B}" type="slidenum">
+              <a:rPr lang="cs-CZ" altLang="cs-CZ"/>
+              <a:pPr/>
+              <a:t>4</a:t>
+            </a:fld>
+            <a:endParaRPr lang="cs-CZ" altLang="cs-CZ"/>
+          </a:p>
+        </p:txBody>
+      </p:sp>
+    </p:spTree>
+    <p:extLst>
+      <p:ext uri="{BB962C8B-B14F-4D97-AF65-F5344CB8AC3E}">
+        <p14:creationId xmlns:p14="http://schemas.microsoft.com/office/powerpoint/2010/main" val="2235027025"/>
+      </p:ext>
+    </p:extLst>
+  </p:cSld>
+  <p:clrMapOvr>
+    <a:masterClrMapping/>
+  </p:clrMapOvr>
+</p:notes>
+</file>
+
+<file path=ppt/notesSlides/notesSlide3.xml><?xml version="1.0" encoding="utf-8"?>
+<p:notes xmlns:a="http://schemas.openxmlformats.org/drawingml/2006/main" xmlns:r="http://schemas.openxmlformats.org/officeDocument/2006/relationships" xmlns:p="http://schemas.openxmlformats.org/presentationml/2006/main">
+  <p:cSld>
+    <p:spTree>
+      <p:nvGrpSpPr>
+        <p:cNvPr id="1" name=""/>
+        <p:cNvGrpSpPr/>
+        <p:nvPr/>
+      </p:nvGrpSpPr>
+      <p:grpSpPr>
+        <a:xfrm>
+          <a:off x="0" y="0"/>
+          <a:ext cx="0" cy="0"/>
+          <a:chOff x="0" y="0"/>
+          <a:chExt cx="0" cy="0"/>
+        </a:xfrm>
+      </p:grpSpPr>
+      <p:sp>
+        <p:nvSpPr>
+          <p:cNvPr id="2" name="Slide Image Placeholder 1"/>
+          <p:cNvSpPr>
+            <a:spLocks noGrp="1" noRot="1" noChangeAspect="1"/>
+          </p:cNvSpPr>
+          <p:nvPr>
+            <p:ph type="sldImg"/>
+          </p:nvPr>
+        </p:nvSpPr>
+        <p:spPr/>
+      </p:sp>
+      <p:sp>
+        <p:nvSpPr>
+          <p:cNvPr id="3" name="Notes Placeholder 2"/>
+          <p:cNvSpPr>
+            <a:spLocks noGrp="1"/>
+          </p:cNvSpPr>
+          <p:nvPr>
+            <p:ph type="body" idx="1"/>
+          </p:nvPr>
+        </p:nvSpPr>
+        <p:spPr/>
+        <p:txBody>
+          <a:bodyPr/>
+          <a:lstStyle/>
+          <a:p>
+            <a:pPr marL="285750" indent="-285750">
+              <a:buFont typeface="Calibri"/>
+              <a:buChar char="-"/>
+            </a:pPr>
+            <a:r>
+              <a:rPr lang="en-US" dirty="0">
+                <a:latin typeface="Calibri"/>
+                <a:ea typeface="Calibri"/>
+                <a:cs typeface="Calibri"/>
+              </a:rPr>
+              <a:t>Pro </a:t>
+            </a:r>
+            <a:r>
+              <a:rPr lang="en-US" err="1">
+                <a:latin typeface="Calibri"/>
+                <a:ea typeface="Calibri"/>
+                <a:cs typeface="Calibri"/>
+              </a:rPr>
+              <a:t>více</a:t>
+            </a:r>
+            <a:r>
+              <a:rPr lang="en-US" dirty="0">
+                <a:latin typeface="Calibri"/>
+                <a:ea typeface="Calibri"/>
+                <a:cs typeface="Calibri"/>
+              </a:rPr>
+              <a:t> </a:t>
+            </a:r>
+            <a:r>
+              <a:rPr lang="en-US" err="1">
+                <a:latin typeface="Calibri"/>
+                <a:ea typeface="Calibri"/>
+                <a:cs typeface="Calibri"/>
+              </a:rPr>
+              <a:t>přirozený</a:t>
+            </a:r>
+            <a:r>
+              <a:rPr lang="en-US" dirty="0">
+                <a:latin typeface="Calibri"/>
+                <a:ea typeface="Calibri"/>
+                <a:cs typeface="Calibri"/>
+              </a:rPr>
+              <a:t> </a:t>
+            </a:r>
+            <a:r>
+              <a:rPr lang="en-US" err="1">
+                <a:latin typeface="Calibri"/>
+                <a:ea typeface="Calibri"/>
+                <a:cs typeface="Calibri"/>
+              </a:rPr>
+              <a:t>terén</a:t>
+            </a:r>
+            <a:r>
+              <a:rPr lang="en-US" dirty="0">
+                <a:latin typeface="Calibri"/>
+                <a:ea typeface="Calibri"/>
+                <a:cs typeface="Calibri"/>
+              </a:rPr>
+              <a:t> </a:t>
+            </a:r>
+            <a:r>
+              <a:rPr lang="en-US" err="1">
+                <a:latin typeface="Calibri"/>
+                <a:ea typeface="Calibri"/>
+                <a:cs typeface="Calibri"/>
+              </a:rPr>
+              <a:t>lze</a:t>
+            </a:r>
+            <a:r>
+              <a:rPr lang="en-US" dirty="0">
+                <a:latin typeface="Calibri"/>
+                <a:ea typeface="Calibri"/>
+                <a:cs typeface="Calibri"/>
+              </a:rPr>
+              <a:t> </a:t>
+            </a:r>
+            <a:r>
+              <a:rPr lang="en-US" err="1">
+                <a:latin typeface="Calibri"/>
+                <a:ea typeface="Calibri"/>
+                <a:cs typeface="Calibri"/>
+              </a:rPr>
+              <a:t>využít</a:t>
+            </a:r>
+            <a:r>
+              <a:rPr lang="en-US" dirty="0">
+                <a:latin typeface="Calibri"/>
+                <a:ea typeface="Calibri"/>
+                <a:cs typeface="Calibri"/>
+              </a:rPr>
+              <a:t> </a:t>
+            </a:r>
+            <a:r>
+              <a:rPr lang="en-US" err="1">
+                <a:latin typeface="Calibri"/>
+                <a:ea typeface="Calibri"/>
+                <a:cs typeface="Calibri"/>
+              </a:rPr>
+              <a:t>hydraulickou</a:t>
+            </a:r>
+            <a:r>
+              <a:rPr lang="en-US" dirty="0">
+                <a:latin typeface="Calibri"/>
+                <a:ea typeface="Calibri"/>
+                <a:cs typeface="Calibri"/>
+              </a:rPr>
+              <a:t> </a:t>
+            </a:r>
+            <a:r>
+              <a:rPr lang="en-US" err="1">
+                <a:latin typeface="Calibri"/>
+                <a:ea typeface="Calibri"/>
+                <a:cs typeface="Calibri"/>
+              </a:rPr>
+              <a:t>erozi</a:t>
+            </a:r>
+            <a:endParaRPr lang="en-US" dirty="0" err="1">
+              <a:latin typeface="Calibri"/>
+              <a:ea typeface="Calibri"/>
+              <a:cs typeface="Calibri"/>
+            </a:endParaRPr>
+          </a:p>
+          <a:p>
+            <a:pPr marL="285750" indent="-285750">
+              <a:buFont typeface="Calibri"/>
+              <a:buChar char="-"/>
+            </a:pPr>
+            <a:r>
+              <a:rPr lang="en-US" dirty="0">
+                <a:latin typeface="Calibri"/>
+                <a:ea typeface="Calibri"/>
+                <a:cs typeface="Calibri"/>
+              </a:rPr>
+              <a:t>Je to </a:t>
+            </a:r>
+            <a:r>
+              <a:rPr lang="en-US" dirty="0" err="1">
+                <a:latin typeface="Calibri"/>
+                <a:ea typeface="Calibri"/>
+                <a:cs typeface="Calibri"/>
+              </a:rPr>
+              <a:t>simulace</a:t>
+            </a:r>
+            <a:r>
+              <a:rPr lang="en-US" dirty="0">
+                <a:latin typeface="Calibri"/>
+                <a:ea typeface="Calibri"/>
+                <a:cs typeface="Calibri"/>
+              </a:rPr>
+              <a:t> </a:t>
+            </a:r>
+            <a:r>
+              <a:rPr lang="en-US" dirty="0" err="1">
+                <a:latin typeface="Calibri"/>
+                <a:ea typeface="Calibri"/>
+                <a:cs typeface="Calibri"/>
+              </a:rPr>
+              <a:t>deště</a:t>
+            </a:r>
+            <a:r>
+              <a:rPr lang="en-US" dirty="0">
+                <a:latin typeface="Calibri"/>
+                <a:ea typeface="Calibri"/>
+                <a:cs typeface="Calibri"/>
+              </a:rPr>
+              <a:t>, </a:t>
+            </a:r>
+            <a:r>
+              <a:rPr lang="en-US" dirty="0" err="1">
+                <a:latin typeface="Calibri"/>
+                <a:ea typeface="Calibri"/>
+                <a:cs typeface="Calibri"/>
+              </a:rPr>
+              <a:t>kdy</a:t>
+            </a:r>
+            <a:r>
+              <a:rPr lang="en-US" dirty="0">
+                <a:latin typeface="Calibri"/>
+                <a:ea typeface="Calibri"/>
+                <a:cs typeface="Calibri"/>
+              </a:rPr>
+              <a:t> </a:t>
+            </a:r>
+            <a:r>
+              <a:rPr lang="en-US" dirty="0" err="1">
+                <a:latin typeface="Calibri"/>
+                <a:ea typeface="Calibri"/>
+                <a:cs typeface="Calibri"/>
+              </a:rPr>
+              <a:t>na</a:t>
+            </a:r>
+            <a:r>
+              <a:rPr lang="en-US" dirty="0">
+                <a:latin typeface="Calibri"/>
+                <a:ea typeface="Calibri"/>
+                <a:cs typeface="Calibri"/>
+              </a:rPr>
+              <a:t> </a:t>
+            </a:r>
+            <a:r>
+              <a:rPr lang="en-US" dirty="0" err="1">
+                <a:latin typeface="Calibri"/>
+                <a:ea typeface="Calibri"/>
+                <a:cs typeface="Calibri"/>
+              </a:rPr>
+              <a:t>náhodnou</a:t>
+            </a:r>
+            <a:r>
+              <a:rPr lang="en-US" dirty="0">
+                <a:latin typeface="Calibri"/>
+                <a:ea typeface="Calibri"/>
+                <a:cs typeface="Calibri"/>
+              </a:rPr>
+              <a:t> </a:t>
+            </a:r>
+            <a:r>
+              <a:rPr lang="en-US" dirty="0" err="1">
+                <a:latin typeface="Calibri"/>
+                <a:ea typeface="Calibri"/>
+                <a:cs typeface="Calibri"/>
+              </a:rPr>
+              <a:t>pozici</a:t>
+            </a:r>
+            <a:r>
+              <a:rPr lang="en-US" dirty="0">
+                <a:latin typeface="Calibri"/>
+                <a:ea typeface="Calibri"/>
+                <a:cs typeface="Calibri"/>
+              </a:rPr>
+              <a:t> v </a:t>
+            </a:r>
+            <a:r>
+              <a:rPr lang="en-US" dirty="0" err="1">
+                <a:latin typeface="Calibri"/>
+                <a:ea typeface="Calibri"/>
+                <a:cs typeface="Calibri"/>
+              </a:rPr>
+              <a:t>terénu</a:t>
+            </a:r>
+            <a:r>
+              <a:rPr lang="en-US" dirty="0">
+                <a:latin typeface="Calibri"/>
+                <a:ea typeface="Calibri"/>
+                <a:cs typeface="Calibri"/>
+              </a:rPr>
+              <a:t> </a:t>
+            </a:r>
+            <a:r>
+              <a:rPr lang="en-US" dirty="0" err="1">
+                <a:latin typeface="Calibri"/>
+                <a:ea typeface="Calibri"/>
+                <a:cs typeface="Calibri"/>
+              </a:rPr>
+              <a:t>spadne</a:t>
+            </a:r>
+            <a:r>
+              <a:rPr lang="en-US" dirty="0">
+                <a:latin typeface="Calibri"/>
+                <a:ea typeface="Calibri"/>
+                <a:cs typeface="Calibri"/>
+              </a:rPr>
+              <a:t> </a:t>
+            </a:r>
+            <a:r>
+              <a:rPr lang="en-US" dirty="0" err="1">
+                <a:latin typeface="Calibri"/>
+                <a:ea typeface="Calibri"/>
+                <a:cs typeface="Calibri"/>
+              </a:rPr>
+              <a:t>kapka</a:t>
+            </a:r>
+            <a:r>
+              <a:rPr lang="en-US" dirty="0">
+                <a:latin typeface="Calibri"/>
+                <a:ea typeface="Calibri"/>
+                <a:cs typeface="Calibri"/>
+              </a:rPr>
+              <a:t>, </a:t>
+            </a:r>
+            <a:r>
+              <a:rPr lang="en-US" dirty="0" err="1">
+                <a:latin typeface="Calibri"/>
+                <a:ea typeface="Calibri"/>
+                <a:cs typeface="Calibri"/>
+              </a:rPr>
+              <a:t>která</a:t>
+            </a:r>
+            <a:r>
+              <a:rPr lang="en-US" dirty="0">
+                <a:latin typeface="Calibri"/>
+                <a:ea typeface="Calibri"/>
+                <a:cs typeface="Calibri"/>
+              </a:rPr>
+              <a:t> se po </a:t>
+            </a:r>
+            <a:r>
+              <a:rPr lang="en-US" dirty="0" err="1">
+                <a:latin typeface="Calibri"/>
+                <a:ea typeface="Calibri"/>
+                <a:cs typeface="Calibri"/>
+              </a:rPr>
+              <a:t>terénu</a:t>
+            </a:r>
+            <a:r>
+              <a:rPr lang="en-US" dirty="0">
+                <a:latin typeface="Calibri"/>
+                <a:ea typeface="Calibri"/>
+                <a:cs typeface="Calibri"/>
+              </a:rPr>
+              <a:t> </a:t>
+            </a:r>
+            <a:r>
+              <a:rPr lang="en-US" dirty="0" err="1">
+                <a:latin typeface="Calibri"/>
+                <a:ea typeface="Calibri"/>
+                <a:cs typeface="Calibri"/>
+              </a:rPr>
+              <a:t>pohybuje</a:t>
+            </a:r>
+            <a:r>
+              <a:rPr lang="en-US" dirty="0">
+                <a:latin typeface="Calibri"/>
+                <a:ea typeface="Calibri"/>
+                <a:cs typeface="Calibri"/>
+              </a:rPr>
+              <a:t> a </a:t>
+            </a:r>
+            <a:r>
+              <a:rPr lang="en-US" dirty="0" err="1">
+                <a:latin typeface="Calibri"/>
+                <a:ea typeface="Calibri"/>
+                <a:cs typeface="Calibri"/>
+              </a:rPr>
+              <a:t>přesouvá</a:t>
+            </a:r>
+            <a:r>
+              <a:rPr lang="en-US" dirty="0">
+                <a:latin typeface="Calibri"/>
+                <a:ea typeface="Calibri"/>
+                <a:cs typeface="Calibri"/>
+              </a:rPr>
+              <a:t> </a:t>
+            </a:r>
+            <a:r>
+              <a:rPr lang="en-US" dirty="0" err="1">
+                <a:latin typeface="Calibri"/>
+                <a:ea typeface="Calibri"/>
+                <a:cs typeface="Calibri"/>
+              </a:rPr>
+              <a:t>kusy</a:t>
+            </a:r>
+            <a:r>
+              <a:rPr lang="en-US" dirty="0">
+                <a:latin typeface="Calibri"/>
+                <a:ea typeface="Calibri"/>
+                <a:cs typeface="Calibri"/>
+              </a:rPr>
+              <a:t> </a:t>
+            </a:r>
+            <a:r>
+              <a:rPr lang="en-US" dirty="0" err="1">
+                <a:latin typeface="Calibri"/>
+                <a:ea typeface="Calibri"/>
+                <a:cs typeface="Calibri"/>
+              </a:rPr>
+              <a:t>půdy</a:t>
+            </a:r>
+          </a:p>
+          <a:p>
+            <a:pPr marL="285750" indent="-285750">
+              <a:buFont typeface="Calibri"/>
+              <a:buChar char="-"/>
+            </a:pPr>
+            <a:r>
+              <a:rPr lang="en-US" dirty="0" err="1">
+                <a:latin typeface="Calibri"/>
+                <a:ea typeface="Calibri"/>
+                <a:cs typeface="Calibri"/>
+              </a:rPr>
+              <a:t>Výsledkem</a:t>
+            </a:r>
+            <a:r>
+              <a:rPr lang="en-US" dirty="0">
+                <a:latin typeface="Calibri"/>
+                <a:ea typeface="Calibri"/>
+                <a:cs typeface="Calibri"/>
+              </a:rPr>
+              <a:t> je </a:t>
+            </a:r>
+            <a:r>
+              <a:rPr lang="en-US" dirty="0" err="1">
+                <a:latin typeface="Calibri"/>
+                <a:ea typeface="Calibri"/>
+                <a:cs typeface="Calibri"/>
+              </a:rPr>
+              <a:t>méně</a:t>
+            </a:r>
+            <a:r>
+              <a:rPr lang="en-US" dirty="0">
+                <a:latin typeface="Calibri"/>
+                <a:ea typeface="Calibri"/>
+                <a:cs typeface="Calibri"/>
+              </a:rPr>
+              <a:t> </a:t>
+            </a:r>
+            <a:r>
+              <a:rPr lang="en-US" dirty="0" err="1">
+                <a:latin typeface="Calibri"/>
+                <a:ea typeface="Calibri"/>
+                <a:cs typeface="Calibri"/>
+              </a:rPr>
+              <a:t>pravidelný</a:t>
+            </a:r>
+            <a:r>
+              <a:rPr lang="en-US" dirty="0">
+                <a:latin typeface="Calibri"/>
+                <a:ea typeface="Calibri"/>
+                <a:cs typeface="Calibri"/>
+              </a:rPr>
+              <a:t> a </a:t>
+            </a:r>
+            <a:r>
+              <a:rPr lang="en-US" dirty="0" err="1">
+                <a:latin typeface="Calibri"/>
+                <a:ea typeface="Calibri"/>
+                <a:cs typeface="Calibri"/>
+              </a:rPr>
+              <a:t>hladký</a:t>
+            </a:r>
+            <a:r>
+              <a:rPr lang="en-US" dirty="0">
+                <a:latin typeface="Calibri"/>
+                <a:ea typeface="Calibri"/>
+                <a:cs typeface="Calibri"/>
+              </a:rPr>
+              <a:t> </a:t>
+            </a:r>
+            <a:r>
+              <a:rPr lang="en-US" dirty="0" err="1">
+                <a:latin typeface="Calibri"/>
+                <a:ea typeface="Calibri"/>
+                <a:cs typeface="Calibri"/>
+              </a:rPr>
+              <a:t>terén</a:t>
+            </a:r>
+            <a:r>
+              <a:rPr lang="en-US" dirty="0">
+                <a:latin typeface="Calibri"/>
+                <a:ea typeface="Calibri"/>
+                <a:cs typeface="Calibri"/>
+              </a:rPr>
+              <a:t>, </a:t>
+            </a:r>
+            <a:r>
+              <a:rPr lang="en-US" dirty="0" err="1">
+                <a:latin typeface="Calibri"/>
+                <a:ea typeface="Calibri"/>
+                <a:cs typeface="Calibri"/>
+              </a:rPr>
+              <a:t>který</a:t>
+            </a:r>
+            <a:r>
+              <a:rPr lang="en-US" dirty="0">
+                <a:latin typeface="Calibri"/>
+                <a:ea typeface="Calibri"/>
+                <a:cs typeface="Calibri"/>
+              </a:rPr>
+              <a:t> </a:t>
+            </a:r>
+            <a:r>
+              <a:rPr lang="en-US" dirty="0" err="1">
+                <a:latin typeface="Calibri"/>
+                <a:ea typeface="Calibri"/>
+                <a:cs typeface="Calibri"/>
+              </a:rPr>
+              <a:t>více</a:t>
+            </a:r>
+            <a:r>
+              <a:rPr lang="en-US" dirty="0">
+                <a:latin typeface="Calibri"/>
+                <a:ea typeface="Calibri"/>
+                <a:cs typeface="Calibri"/>
+              </a:rPr>
+              <a:t> </a:t>
+            </a:r>
+            <a:r>
+              <a:rPr lang="en-US" dirty="0" err="1">
+                <a:latin typeface="Calibri"/>
+                <a:ea typeface="Calibri"/>
+                <a:cs typeface="Calibri"/>
+              </a:rPr>
+              <a:t>připomíná</a:t>
+            </a:r>
+            <a:r>
+              <a:rPr lang="en-US" dirty="0">
+                <a:latin typeface="Calibri"/>
+                <a:ea typeface="Calibri"/>
+                <a:cs typeface="Calibri"/>
+              </a:rPr>
+              <a:t> </a:t>
+            </a:r>
+            <a:r>
+              <a:rPr lang="en-US" dirty="0" err="1">
+                <a:latin typeface="Calibri"/>
+                <a:ea typeface="Calibri"/>
+                <a:cs typeface="Calibri"/>
+              </a:rPr>
+              <a:t>reálný</a:t>
+            </a:r>
+            <a:r>
+              <a:rPr lang="en-US" dirty="0">
+                <a:latin typeface="Calibri"/>
+                <a:ea typeface="Calibri"/>
+                <a:cs typeface="Calibri"/>
+              </a:rPr>
+              <a:t> </a:t>
+            </a:r>
+            <a:r>
+              <a:rPr lang="en-US" dirty="0" err="1">
+                <a:latin typeface="Calibri"/>
+                <a:ea typeface="Calibri"/>
+                <a:cs typeface="Calibri"/>
+              </a:rPr>
+              <a:t>terén</a:t>
+            </a:r>
+          </a:p>
+        </p:txBody>
+      </p:sp>
+      <p:sp>
+        <p:nvSpPr>
+          <p:cNvPr id="4" name="Slide Number Placeholder 3"/>
+          <p:cNvSpPr>
+            <a:spLocks noGrp="1"/>
+          </p:cNvSpPr>
+          <p:nvPr>
+            <p:ph type="sldNum" sz="quarter" idx="5"/>
+          </p:nvPr>
+        </p:nvSpPr>
+        <p:spPr/>
+        <p:txBody>
+          <a:bodyPr/>
+          <a:lstStyle/>
+          <a:p>
+            <a:fld id="{511FA9D6-BDC7-4110-B055-029A3A5CC98B}" type="slidenum">
+              <a:rPr lang="cs-CZ" altLang="cs-CZ"/>
+              <a:pPr/>
+              <a:t>5</a:t>
+            </a:fld>
+            <a:endParaRPr lang="cs-CZ" altLang="cs-CZ"/>
+          </a:p>
+        </p:txBody>
+      </p:sp>
+    </p:spTree>
+    <p:extLst>
+      <p:ext uri="{BB962C8B-B14F-4D97-AF65-F5344CB8AC3E}">
+        <p14:creationId xmlns:p14="http://schemas.microsoft.com/office/powerpoint/2010/main" val="414454338"/>
+      </p:ext>
+    </p:extLst>
+  </p:cSld>
+  <p:clrMapOvr>
+    <a:masterClrMapping/>
+  </p:clrMapOvr>
+</p:notes>
+</file>
+
+<file path=ppt/notesSlides/notesSlide4.xml><?xml version="1.0" encoding="utf-8"?>
+<p:notes xmlns:a="http://schemas.openxmlformats.org/drawingml/2006/main" xmlns:r="http://schemas.openxmlformats.org/officeDocument/2006/relationships" xmlns:p="http://schemas.openxmlformats.org/presentationml/2006/main">
+  <p:cSld>
+    <p:spTree>
+      <p:nvGrpSpPr>
+        <p:cNvPr id="1" name=""/>
+        <p:cNvGrpSpPr/>
+        <p:nvPr/>
+      </p:nvGrpSpPr>
+      <p:grpSpPr>
+        <a:xfrm>
+          <a:off x="0" y="0"/>
+          <a:ext cx="0" cy="0"/>
+          <a:chOff x="0" y="0"/>
+          <a:chExt cx="0" cy="0"/>
+        </a:xfrm>
+      </p:grpSpPr>
+      <p:sp>
+        <p:nvSpPr>
+          <p:cNvPr id="2" name="Slide Image Placeholder 1"/>
+          <p:cNvSpPr>
+            <a:spLocks noGrp="1" noRot="1" noChangeAspect="1"/>
+          </p:cNvSpPr>
+          <p:nvPr>
+            <p:ph type="sldImg"/>
+          </p:nvPr>
+        </p:nvSpPr>
+        <p:spPr/>
+      </p:sp>
+      <p:sp>
+        <p:nvSpPr>
+          <p:cNvPr id="3" name="Notes Placeholder 2"/>
+          <p:cNvSpPr>
+            <a:spLocks noGrp="1"/>
+          </p:cNvSpPr>
+          <p:nvPr>
+            <p:ph type="body" idx="1"/>
+          </p:nvPr>
+        </p:nvSpPr>
+        <p:spPr/>
+        <p:txBody>
+          <a:bodyPr/>
+          <a:lstStyle/>
+          <a:p>
+            <a:pPr marL="285750" indent="-285750">
+              <a:buFont typeface="Calibri"/>
+              <a:buChar char="-"/>
+            </a:pPr>
+            <a:r>
+              <a:rPr lang="en-US" dirty="0" err="1">
+                <a:latin typeface="Calibri"/>
+                <a:ea typeface="Calibri"/>
+                <a:cs typeface="Calibri"/>
+              </a:rPr>
+              <a:t>Finální</a:t>
+            </a:r>
+            <a:r>
+              <a:rPr lang="en-US" dirty="0">
+                <a:latin typeface="Calibri"/>
+                <a:ea typeface="Calibri"/>
+                <a:cs typeface="Calibri"/>
+              </a:rPr>
+              <a:t> </a:t>
+            </a:r>
+            <a:r>
+              <a:rPr lang="en-US" dirty="0" err="1">
+                <a:latin typeface="Calibri"/>
+                <a:ea typeface="Calibri"/>
+                <a:cs typeface="Calibri"/>
+              </a:rPr>
+              <a:t>generování</a:t>
+            </a:r>
+            <a:r>
+              <a:rPr lang="en-US" dirty="0">
+                <a:latin typeface="Calibri"/>
+                <a:ea typeface="Calibri"/>
+                <a:cs typeface="Calibri"/>
+              </a:rPr>
+              <a:t> </a:t>
+            </a:r>
+            <a:r>
+              <a:rPr lang="en-US" dirty="0" err="1">
+                <a:latin typeface="Calibri"/>
+                <a:ea typeface="Calibri"/>
+                <a:cs typeface="Calibri"/>
+              </a:rPr>
+              <a:t>terénu</a:t>
+            </a:r>
+            <a:r>
+              <a:rPr lang="en-US" dirty="0">
+                <a:latin typeface="Calibri"/>
+                <a:ea typeface="Calibri"/>
+                <a:cs typeface="Calibri"/>
+              </a:rPr>
+              <a:t> je </a:t>
+            </a:r>
+            <a:r>
+              <a:rPr lang="en-US" dirty="0" err="1">
+                <a:latin typeface="Calibri"/>
+                <a:ea typeface="Calibri"/>
+                <a:cs typeface="Calibri"/>
+              </a:rPr>
+              <a:t>tedy</a:t>
+            </a:r>
+            <a:r>
+              <a:rPr lang="en-US" dirty="0">
+                <a:latin typeface="Calibri"/>
+                <a:ea typeface="Calibri"/>
+                <a:cs typeface="Calibri"/>
+              </a:rPr>
+              <a:t> </a:t>
+            </a:r>
+            <a:r>
+              <a:rPr lang="en-US" dirty="0" err="1">
+                <a:latin typeface="Calibri"/>
+                <a:ea typeface="Calibri"/>
+                <a:cs typeface="Calibri"/>
+              </a:rPr>
+              <a:t>složeno</a:t>
+            </a:r>
+            <a:r>
+              <a:rPr lang="en-US" dirty="0">
+                <a:latin typeface="Calibri"/>
+                <a:ea typeface="Calibri"/>
+                <a:cs typeface="Calibri"/>
+              </a:rPr>
+              <a:t> z:</a:t>
+            </a:r>
+          </a:p>
+          <a:p>
+            <a:pPr marL="1028700" lvl="1" indent="-285750">
+              <a:buFont typeface="Courier New"/>
+              <a:buChar char="o"/>
+            </a:pPr>
+            <a:r>
+              <a:rPr lang="en-US" dirty="0" err="1">
+                <a:latin typeface="Calibri"/>
+                <a:ea typeface="Calibri"/>
+                <a:cs typeface="Calibri"/>
+              </a:rPr>
+              <a:t>Generování</a:t>
+            </a:r>
+            <a:r>
+              <a:rPr lang="en-US" dirty="0">
+                <a:latin typeface="Calibri"/>
+                <a:ea typeface="Calibri"/>
+                <a:cs typeface="Calibri"/>
+              </a:rPr>
+              <a:t> a </a:t>
+            </a:r>
+            <a:r>
+              <a:rPr lang="en-US" dirty="0" err="1">
+                <a:latin typeface="Calibri"/>
+                <a:ea typeface="Calibri"/>
+                <a:cs typeface="Calibri"/>
+              </a:rPr>
+              <a:t>skládání</a:t>
+            </a:r>
+            <a:r>
+              <a:rPr lang="en-US" dirty="0">
+                <a:latin typeface="Calibri"/>
+                <a:ea typeface="Calibri"/>
+                <a:cs typeface="Calibri"/>
+              </a:rPr>
+              <a:t> </a:t>
+            </a:r>
+            <a:r>
+              <a:rPr lang="en-US" dirty="0" err="1">
+                <a:latin typeface="Calibri"/>
+                <a:ea typeface="Calibri"/>
+                <a:cs typeface="Calibri"/>
+              </a:rPr>
+              <a:t>více</a:t>
+            </a:r>
+            <a:r>
+              <a:rPr lang="en-US" dirty="0">
+                <a:latin typeface="Calibri"/>
+                <a:ea typeface="Calibri"/>
+                <a:cs typeface="Calibri"/>
+              </a:rPr>
+              <a:t> </a:t>
+            </a:r>
+            <a:r>
+              <a:rPr lang="en-US" dirty="0" err="1">
+                <a:latin typeface="Calibri"/>
+                <a:ea typeface="Calibri"/>
+                <a:cs typeface="Calibri"/>
+              </a:rPr>
+              <a:t>vrstev</a:t>
+            </a:r>
+            <a:r>
+              <a:rPr lang="en-US" dirty="0">
+                <a:latin typeface="Calibri"/>
+                <a:ea typeface="Calibri"/>
+                <a:cs typeface="Calibri"/>
+              </a:rPr>
+              <a:t> </a:t>
+            </a:r>
+            <a:r>
+              <a:rPr lang="en-US" dirty="0" err="1">
+                <a:latin typeface="Calibri"/>
+                <a:ea typeface="Calibri"/>
+                <a:cs typeface="Calibri"/>
+              </a:rPr>
+              <a:t>šumu</a:t>
+            </a:r>
+            <a:r>
+              <a:rPr lang="en-US" dirty="0">
+                <a:latin typeface="Calibri"/>
+                <a:ea typeface="Calibri"/>
+                <a:cs typeface="Calibri"/>
+              </a:rPr>
+              <a:t>, </a:t>
+            </a:r>
+            <a:r>
+              <a:rPr lang="en-US" dirty="0" err="1">
+                <a:latin typeface="Calibri"/>
+                <a:ea typeface="Calibri"/>
+                <a:cs typeface="Calibri"/>
+              </a:rPr>
+              <a:t>který</a:t>
+            </a:r>
+            <a:r>
+              <a:rPr lang="en-US" dirty="0">
+                <a:latin typeface="Calibri"/>
+                <a:ea typeface="Calibri"/>
+                <a:cs typeface="Calibri"/>
+              </a:rPr>
+              <a:t> </a:t>
+            </a:r>
+            <a:r>
+              <a:rPr lang="en-US" dirty="0" err="1">
+                <a:latin typeface="Calibri"/>
+                <a:ea typeface="Calibri"/>
+                <a:cs typeface="Calibri"/>
+              </a:rPr>
+              <a:t>byl</a:t>
+            </a:r>
+            <a:r>
+              <a:rPr lang="en-US" dirty="0">
+                <a:latin typeface="Calibri"/>
+                <a:ea typeface="Calibri"/>
+                <a:cs typeface="Calibri"/>
+              </a:rPr>
+              <a:t> </a:t>
+            </a:r>
+            <a:r>
+              <a:rPr lang="en-US" dirty="0" err="1">
+                <a:latin typeface="Calibri"/>
+                <a:ea typeface="Calibri"/>
+                <a:cs typeface="Calibri"/>
+              </a:rPr>
+              <a:t>vygenerován</a:t>
+            </a:r>
+            <a:r>
+              <a:rPr lang="en-US" dirty="0">
+                <a:latin typeface="Calibri"/>
+                <a:ea typeface="Calibri"/>
+                <a:cs typeface="Calibri"/>
+              </a:rPr>
+              <a:t> </a:t>
+            </a:r>
+            <a:r>
+              <a:rPr lang="en-US" dirty="0" err="1">
+                <a:latin typeface="Calibri"/>
+                <a:ea typeface="Calibri"/>
+                <a:cs typeface="Calibri"/>
+              </a:rPr>
+              <a:t>pomocí</a:t>
+            </a:r>
+            <a:r>
+              <a:rPr lang="en-US" dirty="0">
+                <a:latin typeface="Calibri"/>
+                <a:ea typeface="Calibri"/>
+                <a:cs typeface="Calibri"/>
+              </a:rPr>
+              <a:t> Perlin</a:t>
+            </a:r>
+          </a:p>
+          <a:p>
+            <a:pPr marL="1028700" lvl="1" indent="-285750">
+              <a:buFont typeface="Courier New"/>
+              <a:buChar char="o"/>
+            </a:pPr>
+            <a:r>
+              <a:rPr lang="en-US" dirty="0" err="1">
+                <a:latin typeface="Calibri"/>
+                <a:ea typeface="Calibri"/>
+                <a:cs typeface="Calibri"/>
+              </a:rPr>
+              <a:t>Simulace</a:t>
+            </a:r>
+            <a:r>
+              <a:rPr lang="en-US" dirty="0">
+                <a:latin typeface="Calibri"/>
+                <a:ea typeface="Calibri"/>
+                <a:cs typeface="Calibri"/>
+              </a:rPr>
+              <a:t> </a:t>
+            </a:r>
+            <a:r>
+              <a:rPr lang="en-US" dirty="0" err="1">
+                <a:latin typeface="Calibri"/>
+                <a:ea typeface="Calibri"/>
+                <a:cs typeface="Calibri"/>
+              </a:rPr>
+              <a:t>hydraulické</a:t>
+            </a:r>
+            <a:r>
+              <a:rPr lang="en-US" dirty="0">
+                <a:latin typeface="Calibri"/>
+                <a:ea typeface="Calibri"/>
+                <a:cs typeface="Calibri"/>
+              </a:rPr>
+              <a:t> </a:t>
+            </a:r>
+            <a:r>
+              <a:rPr lang="en-US" dirty="0" err="1">
+                <a:latin typeface="Calibri"/>
+                <a:ea typeface="Calibri"/>
+                <a:cs typeface="Calibri"/>
+              </a:rPr>
+              <a:t>eroze</a:t>
+            </a:r>
+            <a:r>
+              <a:rPr lang="en-US" dirty="0">
+                <a:latin typeface="Calibri"/>
+                <a:ea typeface="Calibri"/>
+                <a:cs typeface="Calibri"/>
+              </a:rPr>
+              <a:t>, </a:t>
+            </a:r>
+            <a:r>
+              <a:rPr lang="en-US" dirty="0" err="1">
+                <a:latin typeface="Calibri"/>
+                <a:ea typeface="Calibri"/>
+                <a:cs typeface="Calibri"/>
+              </a:rPr>
+              <a:t>kterou</a:t>
+            </a:r>
+            <a:r>
+              <a:rPr lang="en-US" dirty="0">
+                <a:latin typeface="Calibri"/>
+                <a:ea typeface="Calibri"/>
+                <a:cs typeface="Calibri"/>
+              </a:rPr>
+              <a:t> </a:t>
+            </a:r>
+            <a:r>
+              <a:rPr lang="en-US" dirty="0" err="1">
+                <a:latin typeface="Calibri"/>
+                <a:ea typeface="Calibri"/>
+                <a:cs typeface="Calibri"/>
+              </a:rPr>
+              <a:t>upravuje</a:t>
+            </a:r>
+            <a:r>
+              <a:rPr lang="en-US" dirty="0">
+                <a:latin typeface="Calibri"/>
+                <a:ea typeface="Calibri"/>
+                <a:cs typeface="Calibri"/>
+              </a:rPr>
+              <a:t> height </a:t>
+            </a:r>
+            <a:r>
+              <a:rPr lang="en-US" dirty="0" err="1">
+                <a:latin typeface="Calibri"/>
+                <a:ea typeface="Calibri"/>
+                <a:cs typeface="Calibri"/>
+              </a:rPr>
+              <a:t>mapu</a:t>
+            </a:r>
+          </a:p>
+          <a:p>
+            <a:pPr marL="1028700" lvl="1" indent="-285750">
+              <a:buFont typeface="Courier New"/>
+              <a:buChar char="o"/>
+            </a:pPr>
+            <a:r>
+              <a:rPr lang="en-US" err="1">
+                <a:latin typeface="Calibri"/>
+                <a:ea typeface="Calibri"/>
+                <a:cs typeface="Calibri"/>
+              </a:rPr>
+              <a:t>Generování</a:t>
+            </a:r>
+            <a:r>
+              <a:rPr lang="en-US" dirty="0">
+                <a:latin typeface="Calibri"/>
+                <a:ea typeface="Calibri"/>
+                <a:cs typeface="Calibri"/>
+              </a:rPr>
+              <a:t> </a:t>
+            </a:r>
+            <a:r>
+              <a:rPr lang="en-US" err="1">
+                <a:latin typeface="Calibri"/>
+                <a:ea typeface="Calibri"/>
+                <a:cs typeface="Calibri"/>
+              </a:rPr>
+              <a:t>vertexů</a:t>
+            </a:r>
+            <a:r>
+              <a:rPr lang="en-US">
+                <a:latin typeface="Calibri"/>
+                <a:ea typeface="Calibri"/>
+                <a:cs typeface="Calibri"/>
+              </a:rPr>
+              <a:t> z height </a:t>
+            </a:r>
+            <a:r>
+              <a:rPr lang="en-US" err="1">
+                <a:latin typeface="Calibri"/>
+                <a:ea typeface="Calibri"/>
+                <a:cs typeface="Calibri"/>
+              </a:rPr>
+              <a:t>mapy</a:t>
+            </a:r>
+            <a:endParaRPr lang="en-US" dirty="0">
+              <a:latin typeface="Calibri"/>
+              <a:ea typeface="Calibri"/>
+              <a:cs typeface="Calibri"/>
+            </a:endParaRPr>
+          </a:p>
+          <a:p>
+            <a:pPr marL="1028700" lvl="1" indent="-285750">
+              <a:buFont typeface="Courier New"/>
+              <a:buChar char="o"/>
+            </a:pPr>
+            <a:r>
+              <a:rPr lang="en-US" dirty="0" err="1">
+                <a:latin typeface="Calibri"/>
+                <a:ea typeface="Calibri"/>
+                <a:cs typeface="Calibri"/>
+              </a:rPr>
+              <a:t>Zobrazení</a:t>
+            </a:r>
+            <a:r>
+              <a:rPr lang="en-US" dirty="0">
+                <a:latin typeface="Calibri"/>
+                <a:ea typeface="Calibri"/>
+                <a:cs typeface="Calibri"/>
+              </a:rPr>
+              <a:t> </a:t>
+            </a:r>
+            <a:r>
+              <a:rPr lang="en-US" dirty="0" err="1">
+                <a:latin typeface="Calibri"/>
+                <a:ea typeface="Calibri"/>
+                <a:cs typeface="Calibri"/>
+              </a:rPr>
+              <a:t>terénu</a:t>
+            </a:r>
+            <a:r>
+              <a:rPr lang="en-US" dirty="0">
+                <a:latin typeface="Calibri"/>
+                <a:ea typeface="Calibri"/>
+                <a:cs typeface="Calibri"/>
+              </a:rPr>
+              <a:t> a </a:t>
+            </a:r>
+            <a:r>
+              <a:rPr lang="en-US" dirty="0" err="1">
+                <a:latin typeface="Calibri"/>
+                <a:ea typeface="Calibri"/>
+                <a:cs typeface="Calibri"/>
+              </a:rPr>
+              <a:t>jeho</a:t>
+            </a:r>
+            <a:r>
+              <a:rPr lang="en-US" dirty="0">
+                <a:latin typeface="Calibri"/>
+                <a:ea typeface="Calibri"/>
+                <a:cs typeface="Calibri"/>
+              </a:rPr>
+              <a:t> </a:t>
+            </a:r>
+            <a:r>
+              <a:rPr lang="en-US" dirty="0" err="1">
+                <a:latin typeface="Calibri"/>
+                <a:ea typeface="Calibri"/>
+                <a:cs typeface="Calibri"/>
+              </a:rPr>
+              <a:t>barvení</a:t>
+            </a:r>
+            <a:r>
+              <a:rPr lang="en-US" dirty="0">
+                <a:latin typeface="Calibri"/>
+                <a:ea typeface="Calibri"/>
+                <a:cs typeface="Calibri"/>
+              </a:rPr>
+              <a:t> </a:t>
+            </a:r>
+            <a:r>
+              <a:rPr lang="en-US" dirty="0" err="1">
+                <a:latin typeface="Calibri"/>
+                <a:ea typeface="Calibri"/>
+                <a:cs typeface="Calibri"/>
+              </a:rPr>
+              <a:t>na</a:t>
+            </a:r>
+            <a:r>
+              <a:rPr lang="en-US" dirty="0">
+                <a:latin typeface="Calibri"/>
+                <a:ea typeface="Calibri"/>
+                <a:cs typeface="Calibri"/>
+              </a:rPr>
+              <a:t> </a:t>
+            </a:r>
+            <a:r>
+              <a:rPr lang="en-US" dirty="0" err="1">
+                <a:latin typeface="Calibri"/>
+                <a:ea typeface="Calibri"/>
+                <a:cs typeface="Calibri"/>
+              </a:rPr>
+              <a:t>základě</a:t>
+            </a:r>
+            <a:r>
+              <a:rPr lang="en-US" dirty="0">
+                <a:latin typeface="Calibri"/>
+                <a:ea typeface="Calibri"/>
+                <a:cs typeface="Calibri"/>
+              </a:rPr>
+              <a:t> </a:t>
+            </a:r>
+            <a:r>
+              <a:rPr lang="en-US" dirty="0" err="1">
+                <a:latin typeface="Calibri"/>
+                <a:ea typeface="Calibri"/>
+                <a:cs typeface="Calibri"/>
+              </a:rPr>
+              <a:t>sklonu</a:t>
+            </a:r>
+            <a:r>
+              <a:rPr lang="en-US" dirty="0">
+                <a:latin typeface="Calibri"/>
+                <a:ea typeface="Calibri"/>
+                <a:cs typeface="Calibri"/>
+              </a:rPr>
+              <a:t> a </a:t>
+            </a:r>
+            <a:r>
+              <a:rPr lang="en-US" dirty="0" err="1">
+                <a:latin typeface="Calibri"/>
+                <a:ea typeface="Calibri"/>
+                <a:cs typeface="Calibri"/>
+              </a:rPr>
+              <a:t>výšky</a:t>
+            </a:r>
+          </a:p>
+          <a:p>
+            <a:pPr marL="1028700" lvl="1" indent="-285750">
+              <a:buFont typeface="Courier New"/>
+              <a:buChar char="o"/>
+            </a:pPr>
+            <a:endParaRPr lang="en-US" dirty="0">
+              <a:latin typeface="Calibri"/>
+              <a:ea typeface="Calibri"/>
+              <a:cs typeface="Calibri"/>
+            </a:endParaRPr>
+          </a:p>
+        </p:txBody>
+      </p:sp>
+      <p:sp>
+        <p:nvSpPr>
+          <p:cNvPr id="4" name="Slide Number Placeholder 3"/>
+          <p:cNvSpPr>
+            <a:spLocks noGrp="1"/>
+          </p:cNvSpPr>
+          <p:nvPr>
+            <p:ph type="sldNum" sz="quarter" idx="5"/>
+          </p:nvPr>
+        </p:nvSpPr>
+        <p:spPr/>
+        <p:txBody>
+          <a:bodyPr/>
+          <a:lstStyle/>
+          <a:p>
+            <a:fld id="{511FA9D6-BDC7-4110-B055-029A3A5CC98B}" type="slidenum">
+              <a:rPr lang="cs-CZ" altLang="cs-CZ"/>
+              <a:pPr/>
+              <a:t>6</a:t>
+            </a:fld>
+            <a:endParaRPr lang="cs-CZ" altLang="cs-CZ"/>
+          </a:p>
+        </p:txBody>
+      </p:sp>
+    </p:spTree>
+    <p:extLst>
+      <p:ext uri="{BB962C8B-B14F-4D97-AF65-F5344CB8AC3E}">
+        <p14:creationId xmlns:p14="http://schemas.microsoft.com/office/powerpoint/2010/main" val="3668660164"/>
       </p:ext>
     </p:extLst>
   </p:cSld>
@@ -5080,6 +7847,272 @@
       </p:grpSpPr>
       <p:sp>
         <p:nvSpPr>
+          <p:cNvPr id="2" name="Title 1">
+            <a:extLst>
+              <a:ext uri="{FF2B5EF4-FFF2-40B4-BE49-F238E27FC236}">
+                <a16:creationId xmlns:a16="http://schemas.microsoft.com/office/drawing/2014/main" id="{06DA51F0-5B61-112C-CF2A-044A2F89059B}"/>
+              </a:ext>
+            </a:extLst>
+          </p:cNvPr>
+          <p:cNvSpPr>
+            <a:spLocks noGrp="1"/>
+          </p:cNvSpPr>
+          <p:nvPr>
+            <p:ph type="title"/>
+          </p:nvPr>
+        </p:nvSpPr>
+        <p:spPr/>
+        <p:txBody>
+          <a:bodyPr/>
+          <a:lstStyle/>
+          <a:p>
+            <a:r>
+              <a:rPr lang="en-US" dirty="0" err="1"/>
+              <a:t>Cíle</a:t>
+            </a:r>
+          </a:p>
+        </p:txBody>
+      </p:sp>
+      <p:sp>
+        <p:nvSpPr>
+          <p:cNvPr id="3" name="Content Placeholder 2">
+            <a:extLst>
+              <a:ext uri="{FF2B5EF4-FFF2-40B4-BE49-F238E27FC236}">
+                <a16:creationId xmlns:a16="http://schemas.microsoft.com/office/drawing/2014/main" id="{08015255-CAF8-BB36-2892-E13A95152B93}"/>
+              </a:ext>
+            </a:extLst>
+          </p:cNvPr>
+          <p:cNvSpPr>
+            <a:spLocks noGrp="1"/>
+          </p:cNvSpPr>
+          <p:nvPr>
+            <p:ph idx="1"/>
+          </p:nvPr>
+        </p:nvSpPr>
+        <p:spPr/>
+        <p:txBody>
+          <a:bodyPr/>
+          <a:lstStyle/>
+          <a:p>
+            <a:r>
+              <a:rPr lang="en-US" dirty="0">
+                <a:latin typeface="Calibri"/>
+                <a:ea typeface="Calibri"/>
+                <a:cs typeface="Calibri"/>
+              </a:rPr>
+              <a:t>Perlin noise - </a:t>
+            </a:r>
+            <a:r>
+              <a:rPr lang="en-US" dirty="0" err="1">
+                <a:latin typeface="Calibri"/>
+                <a:ea typeface="Calibri"/>
+                <a:cs typeface="Calibri"/>
+              </a:rPr>
+              <a:t>generování</a:t>
+            </a:r>
+            <a:r>
+              <a:rPr lang="en-US" dirty="0">
+                <a:latin typeface="Calibri"/>
+                <a:ea typeface="Calibri"/>
+                <a:cs typeface="Calibri"/>
+              </a:rPr>
+              <a:t> </a:t>
+            </a:r>
+            <a:r>
+              <a:rPr lang="en-US" dirty="0" err="1">
+                <a:latin typeface="Calibri"/>
+                <a:ea typeface="Calibri"/>
+                <a:cs typeface="Calibri"/>
+              </a:rPr>
+              <a:t>šumu</a:t>
+            </a:r>
+            <a:endParaRPr lang="en-US" dirty="0" err="1"/>
+          </a:p>
+          <a:p>
+            <a:r>
+              <a:rPr lang="en-US" dirty="0" err="1">
+                <a:latin typeface="Calibri"/>
+                <a:ea typeface="Calibri"/>
+                <a:cs typeface="Calibri"/>
+              </a:rPr>
+              <a:t>Kombinace</a:t>
+            </a:r>
+            <a:r>
+              <a:rPr lang="en-US" dirty="0">
+                <a:latin typeface="Calibri"/>
+                <a:ea typeface="Calibri"/>
+                <a:cs typeface="Calibri"/>
+              </a:rPr>
+              <a:t> </a:t>
+            </a:r>
+            <a:r>
+              <a:rPr lang="en-US" dirty="0" err="1">
+                <a:latin typeface="Calibri"/>
+                <a:ea typeface="Calibri"/>
+                <a:cs typeface="Calibri"/>
+              </a:rPr>
+              <a:t>více</a:t>
+            </a:r>
+            <a:r>
+              <a:rPr lang="en-US" dirty="0">
+                <a:latin typeface="Calibri"/>
+                <a:ea typeface="Calibri"/>
+                <a:cs typeface="Calibri"/>
+              </a:rPr>
+              <a:t> </a:t>
+            </a:r>
+            <a:r>
+              <a:rPr lang="en-US" dirty="0" err="1">
+                <a:latin typeface="Calibri"/>
+                <a:ea typeface="Calibri"/>
+                <a:cs typeface="Calibri"/>
+              </a:rPr>
+              <a:t>vrstev</a:t>
+            </a:r>
+            <a:r>
+              <a:rPr lang="en-US" dirty="0">
+                <a:latin typeface="Calibri"/>
+                <a:ea typeface="Calibri"/>
+                <a:cs typeface="Calibri"/>
+              </a:rPr>
+              <a:t> </a:t>
+            </a:r>
+            <a:r>
+              <a:rPr lang="en-US" dirty="0" err="1">
+                <a:latin typeface="Calibri"/>
+                <a:ea typeface="Calibri"/>
+                <a:cs typeface="Calibri"/>
+              </a:rPr>
+              <a:t>šumu</a:t>
+            </a:r>
+          </a:p>
+          <a:p>
+            <a:r>
+              <a:rPr lang="en-US" dirty="0" err="1">
+                <a:latin typeface="Calibri"/>
+                <a:ea typeface="Calibri"/>
+                <a:cs typeface="Calibri"/>
+              </a:rPr>
+              <a:t>Hydraulická</a:t>
+            </a:r>
+            <a:r>
+              <a:rPr lang="en-US" dirty="0">
+                <a:latin typeface="Calibri"/>
+                <a:ea typeface="Calibri"/>
+                <a:cs typeface="Calibri"/>
+              </a:rPr>
+              <a:t> </a:t>
+            </a:r>
+            <a:r>
+              <a:rPr lang="en-US" dirty="0" err="1">
+                <a:latin typeface="Calibri"/>
+                <a:ea typeface="Calibri"/>
+                <a:cs typeface="Calibri"/>
+              </a:rPr>
+              <a:t>eroze</a:t>
+            </a:r>
+          </a:p>
+          <a:p>
+            <a:r>
+              <a:rPr lang="en-US" dirty="0" err="1">
+                <a:latin typeface="Calibri"/>
+                <a:ea typeface="Calibri"/>
+                <a:cs typeface="Calibri"/>
+              </a:rPr>
+              <a:t>Vykreslení</a:t>
+            </a:r>
+            <a:r>
+              <a:rPr lang="en-US" dirty="0">
+                <a:latin typeface="Calibri"/>
+                <a:ea typeface="Calibri"/>
+                <a:cs typeface="Calibri"/>
+              </a:rPr>
+              <a:t> </a:t>
+            </a:r>
+            <a:r>
+              <a:rPr lang="en-US" dirty="0" err="1">
+                <a:latin typeface="Calibri"/>
+                <a:ea typeface="Calibri"/>
+                <a:cs typeface="Calibri"/>
+              </a:rPr>
+              <a:t>terénu</a:t>
+            </a:r>
+          </a:p>
+          <a:p>
+            <a:r>
+              <a:rPr lang="en-US" dirty="0">
+                <a:latin typeface="Calibri"/>
+                <a:ea typeface="Calibri"/>
+                <a:cs typeface="Calibri"/>
+              </a:rPr>
+              <a:t>Level of Detail</a:t>
+            </a:r>
+            <a:endParaRPr lang="en-US" dirty="0"/>
+          </a:p>
+        </p:txBody>
+      </p:sp>
+      <p:sp>
+        <p:nvSpPr>
+          <p:cNvPr id="4" name="Slide Number Placeholder 3">
+            <a:extLst>
+              <a:ext uri="{FF2B5EF4-FFF2-40B4-BE49-F238E27FC236}">
+                <a16:creationId xmlns:a16="http://schemas.microsoft.com/office/drawing/2014/main" id="{B49F64FB-3E84-2E2E-44AA-356762376049}"/>
+              </a:ext>
+            </a:extLst>
+          </p:cNvPr>
+          <p:cNvSpPr>
+            <a:spLocks noGrp="1"/>
+          </p:cNvSpPr>
+          <p:nvPr>
+            <p:ph type="sldNum" sz="quarter" idx="11"/>
+          </p:nvPr>
+        </p:nvSpPr>
+        <p:spPr/>
+        <p:txBody>
+          <a:bodyPr/>
+          <a:lstStyle/>
+          <a:p>
+            <a:fld id="{7C839148-7006-41C4-ABC2-D2A9F4595A63}" type="slidenum">
+              <a:rPr lang="en-US" altLang="cs-CZ"/>
+              <a:pPr/>
+              <a:t>2</a:t>
+            </a:fld>
+            <a:endParaRPr lang="en-US" altLang="cs-CZ"/>
+          </a:p>
+        </p:txBody>
+      </p:sp>
+    </p:spTree>
+    <p:extLst>
+      <p:ext uri="{BB962C8B-B14F-4D97-AF65-F5344CB8AC3E}">
+        <p14:creationId xmlns:p14="http://schemas.microsoft.com/office/powerpoint/2010/main" val="1146163051"/>
+      </p:ext>
+    </p:extLst>
+  </p:cSld>
+  <p:clrMapOvr>
+    <a:masterClrMapping/>
+  </p:clrMapOvr>
+</p:sld>
+</file>
+
+<file path=ppt/slides/slide3.xml><?xml version="1.0" encoding="utf-8"?>
+<p:sld xmlns:a="http://schemas.openxmlformats.org/drawingml/2006/main" xmlns:r="http://schemas.openxmlformats.org/officeDocument/2006/relationships" xmlns:p="http://schemas.openxmlformats.org/presentationml/2006/main">
+  <p:cSld>
+    <p:spTree>
+      <p:nvGrpSpPr>
+        <p:cNvPr id="1" name=""/>
+        <p:cNvGrpSpPr/>
+        <p:nvPr/>
+      </p:nvGrpSpPr>
+      <p:grpSpPr>
+        <a:xfrm>
+          <a:off x="0" y="0"/>
+          <a:ext cx="0" cy="0"/>
+          <a:chOff x="0" y="0"/>
+          <a:chExt cx="0" cy="0"/>
+        </a:xfrm>
+      </p:grpSpPr>
+      <p:sp>
+        <p:nvSpPr>
           <p:cNvPr id="2" name="Nadpis 1"/>
           <p:cNvSpPr>
             <a:spLocks noGrp="1"/>
@@ -5154,13 +8187,6 @@
             <a:noFill/>
           </a:ln>
           <a:extLst>
-            <a:ext uri="{909E8E84-426E-40DD-AFC4-6F175D3DCCD1}">
-              <a14:hiddenFill xmlns:a14="http://schemas.microsoft.com/office/drawing/2010/main">
-                <a:solidFill>
-                  <a:srgbClr val="FFFFFF"/>
-                </a:solidFill>
-              </a14:hiddenFill>
-            </a:ext>
             <a:ext uri="{91240B29-F687-4F45-9708-019B960494DF}">
               <a14:hiddenLine xmlns:a14="http://schemas.microsoft.com/office/drawing/2010/main" w="9525">
                 <a:solidFill>
@@ -5208,7 +8234,7 @@
                   <a:spcPts val="600"/>
                 </a:spcAft>
               </a:pPr>
-              <a:t>2</a:t>
+              <a:t>3</a:t>
             </a:fld>
             <a:endParaRPr lang="en-US" altLang="cs-CZ"/>
           </a:p>
@@ -5227,7 +8253,7 @@
 </p:sld>
 </file>
 
-<file path=ppt/slides/slide3.xml><?xml version="1.0" encoding="utf-8"?>
+<file path=ppt/slides/slide4.xml><?xml version="1.0" encoding="utf-8"?>
 <p:sld xmlns:a="http://schemas.openxmlformats.org/drawingml/2006/main" xmlns:r="http://schemas.openxmlformats.org/officeDocument/2006/relationships" xmlns:p="http://schemas.openxmlformats.org/presentationml/2006/main">
   <p:cSld>
     <p:spTree>
@@ -5487,7 +8513,7 @@
           </p:nvPr>
         </p:nvPicPr>
         <p:blipFill>
-          <a:blip r:embed="rId2"/>
+          <a:blip r:embed="rId3"/>
           <a:stretch>
             <a:fillRect/>
           </a:stretch>
@@ -5507,13 +8533,6 @@
             <a:noFill/>
           </a:ln>
           <a:extLst>
-            <a:ext uri="{909E8E84-426E-40DD-AFC4-6F175D3DCCD1}">
-              <a14:hiddenFill xmlns:a14="http://schemas.microsoft.com/office/drawing/2010/main">
-                <a:solidFill>
-                  <a:srgbClr val="FFFFFF"/>
-                </a:solidFill>
-              </a14:hiddenFill>
-            </a:ext>
             <a:ext uri="{91240B29-F687-4F45-9708-019B960494DF}">
               <a14:hiddenLine xmlns:a14="http://schemas.microsoft.com/office/drawing/2010/main" w="9525">
                 <a:solidFill>
@@ -5567,7 +8586,7 @@
                   <a:spcPts val="600"/>
                 </a:spcAft>
               </a:pPr>
-              <a:t>3</a:t>
+              <a:t>4</a:t>
             </a:fld>
             <a:endParaRPr lang="en-US" altLang="cs-CZ"/>
           </a:p>
@@ -5586,7 +8605,7 @@
 </p:sld>
 </file>
 
-<file path=ppt/slides/slide4.xml><?xml version="1.0" encoding="utf-8"?>
+<file path=ppt/slides/slide5.xml><?xml version="1.0" encoding="utf-8"?>
 <p:sld xmlns:a="http://schemas.openxmlformats.org/drawingml/2006/main" xmlns:r="http://schemas.openxmlformats.org/officeDocument/2006/relationships" xmlns:p="http://schemas.openxmlformats.org/presentationml/2006/main">
   <p:cSld>
     <p:spTree>
@@ -5664,7 +8683,7 @@
           </p:nvPr>
         </p:nvPicPr>
         <p:blipFill>
-          <a:blip r:embed="rId2"/>
+          <a:blip r:embed="rId3"/>
           <a:stretch>
             <a:fillRect/>
           </a:stretch>
@@ -5684,13 +8703,6 @@
             <a:noFill/>
           </a:ln>
           <a:extLst>
-            <a:ext uri="{909E8E84-426E-40DD-AFC4-6F175D3DCCD1}">
-              <a14:hiddenFill xmlns:a14="http://schemas.microsoft.com/office/drawing/2010/main">
-                <a:solidFill>
-                  <a:srgbClr val="FFFFFF"/>
-                </a:solidFill>
-              </a14:hiddenFill>
-            </a:ext>
             <a:ext uri="{91240B29-F687-4F45-9708-019B960494DF}">
               <a14:hiddenLine xmlns:a14="http://schemas.microsoft.com/office/drawing/2010/main" w="9525">
                 <a:solidFill>
@@ -5744,7 +8756,7 @@
                   <a:spcPts val="600"/>
                 </a:spcAft>
               </a:pPr>
-              <a:t>4</a:t>
+              <a:t>5</a:t>
             </a:fld>
             <a:endParaRPr lang="en-US" altLang="cs-CZ"/>
           </a:p>
@@ -5763,7 +8775,7 @@
 </p:sld>
 </file>
 
-<file path=ppt/slides/slide5.xml><?xml version="1.0" encoding="utf-8"?>
+<file path=ppt/slides/slide6.xml><?xml version="1.0" encoding="utf-8"?>
 <p:sld xmlns:a="http://schemas.openxmlformats.org/drawingml/2006/main" xmlns:r="http://schemas.openxmlformats.org/officeDocument/2006/relationships" xmlns:p="http://schemas.openxmlformats.org/presentationml/2006/main">
   <p:cSld>
     <p:spTree>
@@ -5944,7 +8956,7 @@
           <p:nvPr/>
         </p:nvPicPr>
         <p:blipFill>
-          <a:blip r:embed="rId2"/>
+          <a:blip r:embed="rId3"/>
           <a:stretch>
             <a:fillRect/>
           </a:stretch>
@@ -6000,7 +9012,7 @@
                   <a:spcPts val="600"/>
                 </a:spcAft>
               </a:pPr>
-              <a:t>5</a:t>
+              <a:t>6</a:t>
             </a:fld>
             <a:endParaRPr lang="en-US" altLang="cs-CZ"/>
           </a:p>
@@ -6019,7 +9031,7 @@
 </p:sld>
 </file>
 
-<file path=ppt/slides/slide6.xml><?xml version="1.0" encoding="utf-8"?>
+<file path=ppt/slides/slide7.xml><?xml version="1.0" encoding="utf-8"?>
 <p:sld xmlns:a="http://schemas.openxmlformats.org/drawingml/2006/main" xmlns:r="http://schemas.openxmlformats.org/officeDocument/2006/relationships" xmlns:p="http://schemas.openxmlformats.org/presentationml/2006/main">
   <p:cSld>
     <p:spTree>
@@ -6038,10 +9050,10 @@
       </p:grpSpPr>
       <p:sp>
         <p:nvSpPr>
-          <p:cNvPr id="3" name="Text Placeholder 2">
+          <p:cNvPr id="2" name="Title 1">
             <a:extLst>
               <a:ext uri="{FF2B5EF4-FFF2-40B4-BE49-F238E27FC236}">
-                <a16:creationId xmlns:a16="http://schemas.microsoft.com/office/drawing/2014/main" id="{9BE88D50-4B1E-6533-2664-C2E4C6084E80}"/>
+                <a16:creationId xmlns:a16="http://schemas.microsoft.com/office/drawing/2014/main" id="{9968EA41-B51C-B560-6148-A6A9F6F8012F}"/>
               </a:ext>
             </a:extLst>
           </p:cNvPr>
@@ -6049,13 +9061,114 @@
             <a:spLocks noGrp="1"/>
           </p:cNvSpPr>
           <p:nvPr>
-            <p:ph type="subTitle" idx="1"/>
+            <p:ph type="title"/>
           </p:nvPr>
         </p:nvSpPr>
         <p:spPr>
           <a:xfrm>
-            <a:off x="0" y="3621088"/>
-            <a:ext cx="7464152" cy="1032048"/>
+            <a:off x="431801" y="-100013"/>
+            <a:ext cx="10265833" cy="720726"/>
+          </a:xfrm>
+        </p:spPr>
+        <p:txBody>
+          <a:bodyPr wrap="square" anchor="ctr">
+            <a:normAutofit/>
+          </a:bodyPr>
+          <a:lstStyle/>
+          <a:p>
+            <a:r>
+              <a:rPr lang="en-US" err="1"/>
+              <a:t>Děkuji</a:t>
+            </a:r>
+            <a:r>
+              <a:rPr lang="en-US"/>
+              <a:t> za </a:t>
+            </a:r>
+            <a:r>
+              <a:rPr lang="en-US" err="1"/>
+              <a:t>pozornost</a:t>
+            </a:r>
+            <a:endParaRPr lang="en-US" dirty="0" err="1"/>
+          </a:p>
+        </p:txBody>
+      </p:sp>
+      <p:pic>
+        <p:nvPicPr>
+          <p:cNvPr id="5" name="Content Placeholder 4" descr="A green and black mountain&#10;&#10;AI-generated content may be incorrect.">
+            <a:extLst>
+              <a:ext uri="{FF2B5EF4-FFF2-40B4-BE49-F238E27FC236}">
+                <a16:creationId xmlns:a16="http://schemas.microsoft.com/office/drawing/2014/main" id="{DD882567-1AD6-5C6B-4C3C-967B26D9CC3E}"/>
+              </a:ext>
+            </a:extLst>
+          </p:cNvPr>
+          <p:cNvPicPr>
+            <a:picLocks noGrp="1" noChangeAspect="1"/>
+          </p:cNvPicPr>
+          <p:nvPr>
+            <p:ph idx="1"/>
+          </p:nvPr>
+        </p:nvPicPr>
+        <p:blipFill>
+          <a:blip r:embed="rId2"/>
+          <a:stretch>
+            <a:fillRect/>
+          </a:stretch>
+        </p:blipFill>
+        <p:spPr bwMode="auto">
+          <a:xfrm>
+            <a:off x="578619" y="765175"/>
+            <a:ext cx="11227380" cy="6034717"/>
+          </a:xfrm>
+          <a:prstGeom prst="rect">
+            <a:avLst/>
+          </a:prstGeom>
+          <a:solidFill>
+            <a:srgbClr val="FFFFFF"/>
+          </a:solidFill>
+          <a:ln>
+            <a:noFill/>
+          </a:ln>
+          <a:extLst>
+            <a:ext uri="{909E8E84-426E-40DD-AFC4-6F175D3DCCD1}">
+              <a14:hiddenFill xmlns:a14="http://schemas.microsoft.com/office/drawing/2010/main">
+                <a:solidFill>
+                  <a:srgbClr val="FFFFFF"/>
+                </a:solidFill>
+              </a14:hiddenFill>
+            </a:ext>
+            <a:ext uri="{91240B29-F687-4F45-9708-019B960494DF}">
+              <a14:hiddenLine xmlns:a14="http://schemas.microsoft.com/office/drawing/2010/main" w="9525">
+                <a:solidFill>
+                  <a:srgbClr val="000000"/>
+                </a:solidFill>
+                <a:miter lim="800000"/>
+                <a:headEnd/>
+                <a:tailEnd/>
+              </a14:hiddenLine>
+            </a:ext>
+          </a:extLst>
+        </p:spPr>
+      </p:pic>
+      <p:sp>
+        <p:nvSpPr>
+          <p:cNvPr id="4" name="Slide Number Placeholder 3">
+            <a:extLst>
+              <a:ext uri="{FF2B5EF4-FFF2-40B4-BE49-F238E27FC236}">
+                <a16:creationId xmlns:a16="http://schemas.microsoft.com/office/drawing/2014/main" id="{5625BC76-9ECC-7E8F-6310-A97E137ED8B9}"/>
+              </a:ext>
+            </a:extLst>
+          </p:cNvPr>
+          <p:cNvSpPr>
+            <a:spLocks noGrp="1"/>
+          </p:cNvSpPr>
+          <p:nvPr>
+            <p:ph type="sldNum" sz="quarter" idx="11"/>
+          </p:nvPr>
+        </p:nvSpPr>
+        <p:spPr>
+          <a:xfrm>
+            <a:off x="11430000" y="6524626"/>
+            <a:ext cx="569384" cy="333375"/>
           </a:xfrm>
         </p:spPr>
         <p:txBody>
@@ -6064,34 +9177,54 @@
           </a:bodyPr>
           <a:lstStyle/>
           <a:p>
-            <a:r>
-              <a:rPr lang="en-US" err="1"/>
-              <a:t>Máte</a:t>
-            </a:r>
-            <a:r>
-              <a:rPr lang="en-US"/>
-              <a:t> </a:t>
-            </a:r>
-            <a:r>
-              <a:rPr lang="en-US" err="1"/>
-              <a:t>nějaké</a:t>
-            </a:r>
-            <a:r>
-              <a:rPr lang="en-US"/>
-              <a:t> </a:t>
-            </a:r>
-            <a:r>
-              <a:rPr lang="en-US" err="1"/>
-              <a:t>dotazy</a:t>
-            </a:r>
-            <a:r>
-              <a:rPr lang="en-US"/>
-              <a:t>?</a:t>
-            </a:r>
-            <a:endParaRPr lang="en-US" dirty="0"/>
+            <a:pPr>
+              <a:spcAft>
+                <a:spcPts val="600"/>
+              </a:spcAft>
+            </a:pPr>
+            <a:fld id="{7C839148-7006-41C4-ABC2-D2A9F4595A63}" type="slidenum">
+              <a:rPr lang="en-US" altLang="cs-CZ"/>
+              <a:pPr>
+                <a:spcAft>
+                  <a:spcPts val="600"/>
+                </a:spcAft>
+              </a:pPr>
+              <a:t>7</a:t>
+            </a:fld>
+            <a:endParaRPr lang="en-US" altLang="cs-CZ"/>
           </a:p>
         </p:txBody>
       </p:sp>
+    </p:spTree>
+    <p:extLst>
+      <p:ext uri="{BB962C8B-B14F-4D97-AF65-F5344CB8AC3E}">
+        <p14:creationId xmlns:p14="http://schemas.microsoft.com/office/powerpoint/2010/main" val="3219377654"/>
+      </p:ext>
+    </p:extLst>
+  </p:cSld>
+  <p:clrMapOvr>
+    <a:masterClrMapping/>
+  </p:clrMapOvr>
+</p:sld>
+</file>
+
+<file path=ppt/slides/slide8.xml><?xml version="1.0" encoding="utf-8"?>
+<p:sld xmlns:a="http://schemas.openxmlformats.org/drawingml/2006/main" xmlns:r="http://schemas.openxmlformats.org/officeDocument/2006/relationships" xmlns:p="http://schemas.openxmlformats.org/presentationml/2006/main">
+  <p:cSld>
+    <p:spTree>
+      <p:nvGrpSpPr>
+        <p:cNvPr id="1" name=""/>
+        <p:cNvGrpSpPr/>
+        <p:nvPr/>
+      </p:nvGrpSpPr>
+      <p:grpSpPr>
+        <a:xfrm>
+          <a:off x="0" y="0"/>
+          <a:ext cx="0" cy="0"/>
+          <a:chOff x="0" y="0"/>
+          <a:chExt cx="0" cy="0"/>
+        </a:xfrm>
+      </p:grpSpPr>
       <p:sp>
         <p:nvSpPr>
           <p:cNvPr id="2" name="Title 1">
@@ -6110,7 +9243,7 @@
         </p:nvSpPr>
         <p:spPr>
           <a:xfrm>
-            <a:off x="0" y="1958976"/>
+            <a:off x="0" y="2171888"/>
             <a:ext cx="7464152" cy="1254125"/>
           </a:xfrm>
         </p:spPr>
@@ -6174,7 +9307,7 @@
                   <a:spcPts val="600"/>
                 </a:spcAft>
               </a:pPr>
-              <a:t>6</a:t>
+              <a:t>8</a:t>
             </a:fld>
             <a:endParaRPr lang="en-US" altLang="cs-CZ"/>
           </a:p>
